--- a/docs/slides/presentacion-twitter-scheduler.pptx
+++ b/docs/slides/presentacion-twitter-scheduler.pptx
@@ -7,26 +7,27 @@
   <p:sldIdLst>
     <p:sldId id="256" r:id="rId2"/>
     <p:sldId id="263" r:id="rId3"/>
-    <p:sldId id="270" r:id="rId4"/>
-    <p:sldId id="264" r:id="rId5"/>
-    <p:sldId id="269" r:id="rId6"/>
-    <p:sldId id="265" r:id="rId7"/>
-    <p:sldId id="267" r:id="rId8"/>
-    <p:sldId id="273" r:id="rId9"/>
-    <p:sldId id="274" r:id="rId10"/>
-    <p:sldId id="268" r:id="rId11"/>
-    <p:sldId id="275" r:id="rId12"/>
-    <p:sldId id="277" r:id="rId13"/>
-    <p:sldId id="266" r:id="rId14"/>
-    <p:sldId id="276" r:id="rId15"/>
-    <p:sldId id="262" r:id="rId16"/>
-    <p:sldId id="278" r:id="rId17"/>
-    <p:sldId id="271" r:id="rId18"/>
-    <p:sldId id="279" r:id="rId19"/>
-    <p:sldId id="280" r:id="rId20"/>
-    <p:sldId id="281" r:id="rId21"/>
-    <p:sldId id="260" r:id="rId22"/>
-    <p:sldId id="261" r:id="rId23"/>
+    <p:sldId id="282" r:id="rId4"/>
+    <p:sldId id="270" r:id="rId5"/>
+    <p:sldId id="264" r:id="rId6"/>
+    <p:sldId id="269" r:id="rId7"/>
+    <p:sldId id="265" r:id="rId8"/>
+    <p:sldId id="267" r:id="rId9"/>
+    <p:sldId id="273" r:id="rId10"/>
+    <p:sldId id="274" r:id="rId11"/>
+    <p:sldId id="268" r:id="rId12"/>
+    <p:sldId id="275" r:id="rId13"/>
+    <p:sldId id="277" r:id="rId14"/>
+    <p:sldId id="266" r:id="rId15"/>
+    <p:sldId id="276" r:id="rId16"/>
+    <p:sldId id="262" r:id="rId17"/>
+    <p:sldId id="278" r:id="rId18"/>
+    <p:sldId id="271" r:id="rId19"/>
+    <p:sldId id="279" r:id="rId20"/>
+    <p:sldId id="280" r:id="rId21"/>
+    <p:sldId id="281" r:id="rId22"/>
+    <p:sldId id="260" r:id="rId23"/>
+    <p:sldId id="261" r:id="rId24"/>
   </p:sldIdLst>
   <p:sldSz cx="12192000" cy="6858000"/>
   <p:notesSz cx="6858000" cy="9144000"/>
@@ -358,7 +359,7 @@
             <a:fld id="{B61BEF0D-F0BB-DE4B-95CE-6DB70DBA9567}" type="datetimeFigureOut">
               <a:rPr lang="en-US" dirty="0"/>
               <a:pPr/>
-              <a:t>12/8/2021</a:t>
+              <a:t>12/14/2021</a:t>
             </a:fld>
             <a:endParaRPr lang="en-US" dirty="0"/>
           </a:p>
@@ -646,7 +647,7 @@
             <a:fld id="{B61BEF0D-F0BB-DE4B-95CE-6DB70DBA9567}" type="datetimeFigureOut">
               <a:rPr lang="en-US" dirty="0"/>
               <a:pPr/>
-              <a:t>12/8/2021</a:t>
+              <a:t>12/14/2021</a:t>
             </a:fld>
             <a:endParaRPr lang="en-US" dirty="0"/>
           </a:p>
@@ -902,7 +903,7 @@
             <a:fld id="{B61BEF0D-F0BB-DE4B-95CE-6DB70DBA9567}" type="datetimeFigureOut">
               <a:rPr lang="en-US" dirty="0"/>
               <a:pPr/>
-              <a:t>12/8/2021</a:t>
+              <a:t>12/14/2021</a:t>
             </a:fld>
             <a:endParaRPr lang="en-US" dirty="0"/>
           </a:p>
@@ -1368,7 +1369,7 @@
             <a:fld id="{B61BEF0D-F0BB-DE4B-95CE-6DB70DBA9567}" type="datetimeFigureOut">
               <a:rPr lang="en-US" dirty="0"/>
               <a:pPr/>
-              <a:t>12/8/2021</a:t>
+              <a:t>12/14/2021</a:t>
             </a:fld>
             <a:endParaRPr lang="en-US" dirty="0"/>
           </a:p>
@@ -1545,7 +1546,7 @@
             <a:fld id="{B61BEF0D-F0BB-DE4B-95CE-6DB70DBA9567}" type="datetimeFigureOut">
               <a:rPr lang="en-US" dirty="0"/>
               <a:pPr/>
-              <a:t>12/8/2021</a:t>
+              <a:t>12/14/2021</a:t>
             </a:fld>
             <a:endParaRPr lang="en-US" dirty="0"/>
           </a:p>
@@ -2118,7 +2119,7 @@
             <a:fld id="{B61BEF0D-F0BB-DE4B-95CE-6DB70DBA9567}" type="datetimeFigureOut">
               <a:rPr lang="en-US" dirty="0"/>
               <a:pPr/>
-              <a:t>12/8/2021</a:t>
+              <a:t>12/14/2021</a:t>
             </a:fld>
             <a:endParaRPr lang="en-US" dirty="0"/>
           </a:p>
@@ -2447,7 +2448,7 @@
             <a:fld id="{B61BEF0D-F0BB-DE4B-95CE-6DB70DBA9567}" type="datetimeFigureOut">
               <a:rPr lang="en-US" dirty="0"/>
               <a:pPr/>
-              <a:t>12/8/2021</a:t>
+              <a:t>12/14/2021</a:t>
             </a:fld>
             <a:endParaRPr lang="en-US" dirty="0"/>
           </a:p>
@@ -2619,7 +2620,7 @@
             <a:fld id="{B61BEF0D-F0BB-DE4B-95CE-6DB70DBA9567}" type="datetimeFigureOut">
               <a:rPr lang="en-US" dirty="0"/>
               <a:pPr/>
-              <a:t>12/8/2021</a:t>
+              <a:t>12/14/2021</a:t>
             </a:fld>
             <a:endParaRPr lang="en-US" dirty="0"/>
           </a:p>
@@ -2796,7 +2797,7 @@
             <a:fld id="{B61BEF0D-F0BB-DE4B-95CE-6DB70DBA9567}" type="datetimeFigureOut">
               <a:rPr lang="en-US" dirty="0"/>
               <a:pPr/>
-              <a:t>12/8/2021</a:t>
+              <a:t>12/14/2021</a:t>
             </a:fld>
             <a:endParaRPr lang="en-US" dirty="0"/>
           </a:p>
@@ -2963,7 +2964,7 @@
             <a:fld id="{B61BEF0D-F0BB-DE4B-95CE-6DB70DBA9567}" type="datetimeFigureOut">
               <a:rPr lang="en-US" dirty="0"/>
               <a:pPr/>
-              <a:t>12/8/2021</a:t>
+              <a:t>12/14/2021</a:t>
             </a:fld>
             <a:endParaRPr lang="en-US" dirty="0"/>
           </a:p>
@@ -3217,7 +3218,7 @@
             <a:fld id="{B61BEF0D-F0BB-DE4B-95CE-6DB70DBA9567}" type="datetimeFigureOut">
               <a:rPr lang="en-US" dirty="0"/>
               <a:pPr/>
-              <a:t>12/8/2021</a:t>
+              <a:t>12/14/2021</a:t>
             </a:fld>
             <a:endParaRPr lang="en-US" dirty="0"/>
           </a:p>
@@ -3506,7 +3507,7 @@
             <a:fld id="{B61BEF0D-F0BB-DE4B-95CE-6DB70DBA9567}" type="datetimeFigureOut">
               <a:rPr lang="en-US" dirty="0"/>
               <a:pPr/>
-              <a:t>12/8/2021</a:t>
+              <a:t>12/14/2021</a:t>
             </a:fld>
             <a:endParaRPr lang="en-US" dirty="0"/>
           </a:p>
@@ -3933,7 +3934,7 @@
             <a:fld id="{B61BEF0D-F0BB-DE4B-95CE-6DB70DBA9567}" type="datetimeFigureOut">
               <a:rPr lang="en-US" dirty="0"/>
               <a:pPr/>
-              <a:t>12/8/2021</a:t>
+              <a:t>12/14/2021</a:t>
             </a:fld>
             <a:endParaRPr lang="en-US" dirty="0"/>
           </a:p>
@@ -4048,7 +4049,7 @@
             <a:fld id="{B61BEF0D-F0BB-DE4B-95CE-6DB70DBA9567}" type="datetimeFigureOut">
               <a:rPr lang="en-US" dirty="0"/>
               <a:pPr/>
-              <a:t>12/8/2021</a:t>
+              <a:t>12/14/2021</a:t>
             </a:fld>
             <a:endParaRPr lang="en-US" dirty="0"/>
           </a:p>
@@ -4140,7 +4141,7 @@
             <a:fld id="{B61BEF0D-F0BB-DE4B-95CE-6DB70DBA9567}" type="datetimeFigureOut">
               <a:rPr lang="en-US" dirty="0"/>
               <a:pPr/>
-              <a:t>12/8/2021</a:t>
+              <a:t>12/14/2021</a:t>
             </a:fld>
             <a:endParaRPr lang="en-US" dirty="0"/>
           </a:p>
@@ -4420,7 +4421,7 @@
             <a:fld id="{B61BEF0D-F0BB-DE4B-95CE-6DB70DBA9567}" type="datetimeFigureOut">
               <a:rPr lang="en-US" dirty="0"/>
               <a:pPr/>
-              <a:t>12/8/2021</a:t>
+              <a:t>12/14/2021</a:t>
             </a:fld>
             <a:endParaRPr lang="en-US" dirty="0"/>
           </a:p>
@@ -4708,7 +4709,7 @@
             <a:fld id="{B61BEF0D-F0BB-DE4B-95CE-6DB70DBA9567}" type="datetimeFigureOut">
               <a:rPr lang="en-US" dirty="0"/>
               <a:pPr/>
-              <a:t>12/8/2021</a:t>
+              <a:t>12/14/2021</a:t>
             </a:fld>
             <a:endParaRPr lang="en-US" dirty="0"/>
           </a:p>
@@ -4936,7 +4937,7 @@
             <a:fld id="{B61BEF0D-F0BB-DE4B-95CE-6DB70DBA9567}" type="datetimeFigureOut">
               <a:rPr lang="en-US" dirty="0"/>
               <a:pPr/>
-              <a:t>12/8/2021</a:t>
+              <a:t>12/14/2021</a:t>
             </a:fld>
             <a:endParaRPr lang="en-US" dirty="0"/>
           </a:p>
@@ -6011,7 +6012,7 @@
           <p:cNvPr id="14" name="Título 1">
             <a:extLst>
               <a:ext uri="{FF2B5EF4-FFF2-40B4-BE49-F238E27FC236}">
-                <a16:creationId xmlns:a16="http://schemas.microsoft.com/office/drawing/2014/main" id="{67DC4987-0E14-4C19-8822-98D118E9E343}"/>
+                <a16:creationId xmlns:a16="http://schemas.microsoft.com/office/drawing/2014/main" id="{764E1691-0A01-4BBE-8C7F-99269484415C}"/>
               </a:ext>
             </a:extLst>
           </p:cNvPr>
@@ -6022,8 +6023,8 @@
         </p:nvSpPr>
         <p:spPr>
           <a:xfrm>
-            <a:off x="0" y="976055"/>
-            <a:ext cx="12192000" cy="799556"/>
+            <a:off x="2134259" y="2009774"/>
+            <a:ext cx="7923481" cy="2483995"/>
           </a:xfrm>
           <a:prstGeom prst="rect">
             <a:avLst/>
@@ -6031,7 +6032,7 @@
         </p:spPr>
         <p:txBody>
           <a:bodyPr vert="horz" lIns="91440" tIns="45720" rIns="91440" bIns="45720" rtlCol="0" anchor="b">
-            <a:normAutofit lnSpcReduction="10000"/>
+            <a:noAutofit/>
           </a:bodyPr>
           <a:lstStyle>
             <a:lvl1pPr algn="ctr" defTabSz="457200" rtl="0" eaLnBrk="1" latinLnBrk="0" hangingPunct="1">
@@ -6135,415 +6136,38 @@
           </a:lstStyle>
           <a:p>
             <a:r>
+              <a:rPr lang="es-ES" b="1" dirty="0" err="1"/>
+              <a:t>Feature</a:t>
+            </a:r>
+            <a:r>
               <a:rPr lang="es-ES" b="1" dirty="0"/>
-              <a:t>Tweets bajo demanda</a:t>
+              <a:t> </a:t>
+            </a:r>
+            <a:r>
+              <a:rPr lang="es-ES" b="1" dirty="0" err="1"/>
+              <a:t>toggles</a:t>
+            </a:r>
+            <a:endParaRPr lang="es-ES" b="1" dirty="0"/>
+          </a:p>
+          <a:p>
+            <a:r>
+              <a:rPr lang="es-ES" b="1" dirty="0"/>
+              <a:t>&amp;</a:t>
+            </a:r>
+          </a:p>
+          <a:p>
+            <a:r>
+              <a:rPr lang="es-ES" b="1" dirty="0"/>
+              <a:t>BRANCH BY ABSTRACTION</a:t>
             </a:r>
             <a:endParaRPr lang="en-US" b="1" dirty="0"/>
-          </a:p>
-        </p:txBody>
-      </p:sp>
-      <p:sp>
-        <p:nvSpPr>
-          <p:cNvPr id="6" name="Marcador de contenido 2">
-            <a:extLst>
-              <a:ext uri="{FF2B5EF4-FFF2-40B4-BE49-F238E27FC236}">
-                <a16:creationId xmlns:a16="http://schemas.microsoft.com/office/drawing/2014/main" id="{E40D538C-DE33-4A81-956E-04204503EAD6}"/>
-              </a:ext>
-            </a:extLst>
-          </p:cNvPr>
-          <p:cNvSpPr txBox="1">
-            <a:spLocks/>
-          </p:cNvSpPr>
-          <p:nvPr/>
-        </p:nvSpPr>
-        <p:spPr>
-          <a:xfrm>
-            <a:off x="1141413" y="2666999"/>
-            <a:ext cx="9905998" cy="3760178"/>
-          </a:xfrm>
-          <a:prstGeom prst="rect">
-            <a:avLst/>
-          </a:prstGeom>
-        </p:spPr>
-        <p:txBody>
-          <a:bodyPr vert="horz" lIns="91440" tIns="45720" rIns="91440" bIns="45720" rtlCol="0" anchor="t">
-            <a:normAutofit/>
-          </a:bodyPr>
-          <a:lstStyle>
-            <a:lvl1pPr marL="0" indent="0" algn="ctr" defTabSz="457200" rtl="0" eaLnBrk="1" latinLnBrk="0" hangingPunct="1">
-              <a:spcBef>
-                <a:spcPct val="20000"/>
-              </a:spcBef>
-              <a:spcAft>
-                <a:spcPts val="600"/>
-              </a:spcAft>
-              <a:buClr>
-                <a:schemeClr val="tx1"/>
-              </a:buClr>
-              <a:buSzPct val="100000"/>
-              <a:buFont typeface="Arial"/>
-              <a:buNone/>
-              <a:defRPr sz="2100" kern="1200" cap="small">
-                <a:gradFill flip="none" rotWithShape="1">
-                  <a:gsLst>
-                    <a:gs pos="0">
-                      <a:schemeClr val="tx1"/>
-                    </a:gs>
-                    <a:gs pos="100000">
-                      <a:schemeClr val="tx1">
-                        <a:lumMod val="75000"/>
-                      </a:schemeClr>
-                    </a:gs>
-                  </a:gsLst>
-                  <a:lin ang="5400000" scaled="0"/>
-                  <a:tileRect/>
-                </a:gradFill>
-                <a:effectLst>
-                  <a:glow rad="38100">
-                    <a:schemeClr val="bg1">
-                      <a:lumMod val="50000"/>
-                      <a:lumOff val="50000"/>
-                      <a:alpha val="20000"/>
-                    </a:schemeClr>
-                  </a:glow>
-                  <a:outerShdw blurRad="44450" dist="12700" dir="13860000" algn="tl" rotWithShape="0">
-                    <a:srgbClr val="000000">
-                      <a:alpha val="20000"/>
-                    </a:srgbClr>
-                  </a:outerShdw>
-                </a:effectLst>
-                <a:latin typeface="+mn-lt"/>
-                <a:ea typeface="+mn-ea"/>
-                <a:cs typeface="+mn-cs"/>
-              </a:defRPr>
-            </a:lvl1pPr>
-            <a:lvl2pPr marL="457200" indent="0" algn="ctr" defTabSz="457200" rtl="0" eaLnBrk="1" latinLnBrk="0" hangingPunct="1">
-              <a:spcBef>
-                <a:spcPct val="20000"/>
-              </a:spcBef>
-              <a:spcAft>
-                <a:spcPts val="600"/>
-              </a:spcAft>
-              <a:buClr>
-                <a:schemeClr val="tx1"/>
-              </a:buClr>
-              <a:buSzPct val="100000"/>
-              <a:buFont typeface="Arial"/>
-              <a:buNone/>
-              <a:defRPr sz="1800" kern="1200" cap="small">
-                <a:solidFill>
-                  <a:schemeClr val="tx1">
-                    <a:tint val="75000"/>
-                  </a:schemeClr>
-                </a:solidFill>
-                <a:effectLst>
-                  <a:glow rad="38100">
-                    <a:schemeClr val="bg1">
-                      <a:lumMod val="50000"/>
-                      <a:lumOff val="50000"/>
-                      <a:alpha val="20000"/>
-                    </a:schemeClr>
-                  </a:glow>
-                  <a:outerShdw blurRad="44450" dist="12700" dir="13860000" algn="tl" rotWithShape="0">
-                    <a:srgbClr val="000000">
-                      <a:alpha val="20000"/>
-                    </a:srgbClr>
-                  </a:outerShdw>
-                </a:effectLst>
-                <a:latin typeface="+mn-lt"/>
-                <a:ea typeface="+mn-ea"/>
-                <a:cs typeface="+mn-cs"/>
-              </a:defRPr>
-            </a:lvl2pPr>
-            <a:lvl3pPr marL="914400" indent="0" algn="ctr" defTabSz="457200" rtl="0" eaLnBrk="1" latinLnBrk="0" hangingPunct="1">
-              <a:spcBef>
-                <a:spcPct val="20000"/>
-              </a:spcBef>
-              <a:spcAft>
-                <a:spcPts val="600"/>
-              </a:spcAft>
-              <a:buClr>
-                <a:schemeClr val="tx1"/>
-              </a:buClr>
-              <a:buSzPct val="100000"/>
-              <a:buFont typeface="Arial"/>
-              <a:buNone/>
-              <a:defRPr sz="1600" kern="1200" cap="small">
-                <a:solidFill>
-                  <a:schemeClr val="tx1">
-                    <a:tint val="75000"/>
-                  </a:schemeClr>
-                </a:solidFill>
-                <a:effectLst>
-                  <a:glow rad="38100">
-                    <a:schemeClr val="bg1">
-                      <a:lumMod val="50000"/>
-                      <a:lumOff val="50000"/>
-                      <a:alpha val="20000"/>
-                    </a:schemeClr>
-                  </a:glow>
-                  <a:outerShdw blurRad="44450" dist="12700" dir="13860000" algn="tl" rotWithShape="0">
-                    <a:srgbClr val="000000">
-                      <a:alpha val="20000"/>
-                    </a:srgbClr>
-                  </a:outerShdw>
-                </a:effectLst>
-                <a:latin typeface="+mn-lt"/>
-                <a:ea typeface="+mn-ea"/>
-                <a:cs typeface="+mn-cs"/>
-              </a:defRPr>
-            </a:lvl3pPr>
-            <a:lvl4pPr marL="1371600" indent="0" algn="ctr" defTabSz="457200" rtl="0" eaLnBrk="1" latinLnBrk="0" hangingPunct="1">
-              <a:spcBef>
-                <a:spcPct val="20000"/>
-              </a:spcBef>
-              <a:spcAft>
-                <a:spcPts val="600"/>
-              </a:spcAft>
-              <a:buClr>
-                <a:schemeClr val="tx1"/>
-              </a:buClr>
-              <a:buSzPct val="100000"/>
-              <a:buFont typeface="Arial"/>
-              <a:buNone/>
-              <a:defRPr sz="1400" kern="1200" cap="small">
-                <a:solidFill>
-                  <a:schemeClr val="tx1">
-                    <a:tint val="75000"/>
-                  </a:schemeClr>
-                </a:solidFill>
-                <a:effectLst>
-                  <a:glow rad="38100">
-                    <a:schemeClr val="bg1">
-                      <a:lumMod val="50000"/>
-                      <a:lumOff val="50000"/>
-                      <a:alpha val="20000"/>
-                    </a:schemeClr>
-                  </a:glow>
-                  <a:outerShdw blurRad="44450" dist="12700" dir="13860000" algn="tl" rotWithShape="0">
-                    <a:srgbClr val="000000">
-                      <a:alpha val="20000"/>
-                    </a:srgbClr>
-                  </a:outerShdw>
-                </a:effectLst>
-                <a:latin typeface="+mn-lt"/>
-                <a:ea typeface="+mn-ea"/>
-                <a:cs typeface="+mn-cs"/>
-              </a:defRPr>
-            </a:lvl4pPr>
-            <a:lvl5pPr marL="1828800" indent="0" algn="ctr" defTabSz="457200" rtl="0" eaLnBrk="1" latinLnBrk="0" hangingPunct="1">
-              <a:spcBef>
-                <a:spcPct val="20000"/>
-              </a:spcBef>
-              <a:spcAft>
-                <a:spcPts val="600"/>
-              </a:spcAft>
-              <a:buClr>
-                <a:schemeClr val="tx1"/>
-              </a:buClr>
-              <a:buSzPct val="100000"/>
-              <a:buFont typeface="Arial"/>
-              <a:buNone/>
-              <a:defRPr sz="1400" kern="1200" cap="small">
-                <a:solidFill>
-                  <a:schemeClr val="tx1">
-                    <a:tint val="75000"/>
-                  </a:schemeClr>
-                </a:solidFill>
-                <a:effectLst>
-                  <a:glow rad="38100">
-                    <a:schemeClr val="bg1">
-                      <a:lumMod val="50000"/>
-                      <a:lumOff val="50000"/>
-                      <a:alpha val="20000"/>
-                    </a:schemeClr>
-                  </a:glow>
-                  <a:outerShdw blurRad="44450" dist="12700" dir="13860000" algn="tl" rotWithShape="0">
-                    <a:srgbClr val="000000">
-                      <a:alpha val="20000"/>
-                    </a:srgbClr>
-                  </a:outerShdw>
-                </a:effectLst>
-                <a:latin typeface="+mn-lt"/>
-                <a:ea typeface="+mn-ea"/>
-                <a:cs typeface="+mn-cs"/>
-              </a:defRPr>
-            </a:lvl5pPr>
-            <a:lvl6pPr marL="2286000" indent="0" algn="ctr" defTabSz="457200" rtl="0" eaLnBrk="1" latinLnBrk="0" hangingPunct="1">
-              <a:spcBef>
-                <a:spcPct val="20000"/>
-              </a:spcBef>
-              <a:spcAft>
-                <a:spcPts val="600"/>
-              </a:spcAft>
-              <a:buClr>
-                <a:schemeClr val="tx1"/>
-              </a:buClr>
-              <a:buSzPct val="100000"/>
-              <a:buFont typeface="Arial"/>
-              <a:buNone/>
-              <a:defRPr sz="1200" kern="1200" cap="small">
-                <a:solidFill>
-                  <a:schemeClr val="tx1">
-                    <a:tint val="75000"/>
-                  </a:schemeClr>
-                </a:solidFill>
-                <a:effectLst>
-                  <a:glow rad="38100">
-                    <a:schemeClr val="bg1">
-                      <a:lumMod val="50000"/>
-                      <a:lumOff val="50000"/>
-                      <a:alpha val="20000"/>
-                    </a:schemeClr>
-                  </a:glow>
-                  <a:outerShdw blurRad="44450" dist="12700" dir="13860000" algn="tl" rotWithShape="0">
-                    <a:srgbClr val="000000">
-                      <a:alpha val="20000"/>
-                    </a:srgbClr>
-                  </a:outerShdw>
-                </a:effectLst>
-                <a:latin typeface="+mn-lt"/>
-                <a:ea typeface="+mn-ea"/>
-                <a:cs typeface="+mn-cs"/>
-              </a:defRPr>
-            </a:lvl6pPr>
-            <a:lvl7pPr marL="2743200" indent="0" algn="ctr" defTabSz="457200" rtl="0" eaLnBrk="1" latinLnBrk="0" hangingPunct="1">
-              <a:spcBef>
-                <a:spcPct val="20000"/>
-              </a:spcBef>
-              <a:spcAft>
-                <a:spcPts val="600"/>
-              </a:spcAft>
-              <a:buClr>
-                <a:schemeClr val="tx1"/>
-              </a:buClr>
-              <a:buSzPct val="100000"/>
-              <a:buFont typeface="Arial"/>
-              <a:buNone/>
-              <a:defRPr sz="1200" kern="1200" cap="small">
-                <a:solidFill>
-                  <a:schemeClr val="tx1">
-                    <a:tint val="75000"/>
-                  </a:schemeClr>
-                </a:solidFill>
-                <a:effectLst>
-                  <a:glow rad="38100">
-                    <a:schemeClr val="bg1">
-                      <a:lumMod val="50000"/>
-                      <a:lumOff val="50000"/>
-                      <a:alpha val="20000"/>
-                    </a:schemeClr>
-                  </a:glow>
-                  <a:outerShdw blurRad="44450" dist="12700" dir="13860000" algn="tl" rotWithShape="0">
-                    <a:srgbClr val="000000">
-                      <a:alpha val="20000"/>
-                    </a:srgbClr>
-                  </a:outerShdw>
-                </a:effectLst>
-                <a:latin typeface="+mn-lt"/>
-                <a:ea typeface="+mn-ea"/>
-                <a:cs typeface="+mn-cs"/>
-              </a:defRPr>
-            </a:lvl7pPr>
-            <a:lvl8pPr marL="3200400" indent="0" algn="ctr" defTabSz="457200" rtl="0" eaLnBrk="1" latinLnBrk="0" hangingPunct="1">
-              <a:spcBef>
-                <a:spcPct val="20000"/>
-              </a:spcBef>
-              <a:spcAft>
-                <a:spcPts val="600"/>
-              </a:spcAft>
-              <a:buClr>
-                <a:schemeClr val="tx1"/>
-              </a:buClr>
-              <a:buSzPct val="100000"/>
-              <a:buFont typeface="Arial"/>
-              <a:buNone/>
-              <a:defRPr sz="1200" kern="1200" cap="small">
-                <a:solidFill>
-                  <a:schemeClr val="tx1">
-                    <a:tint val="75000"/>
-                  </a:schemeClr>
-                </a:solidFill>
-                <a:effectLst>
-                  <a:glow rad="38100">
-                    <a:schemeClr val="bg1">
-                      <a:lumMod val="50000"/>
-                      <a:lumOff val="50000"/>
-                      <a:alpha val="20000"/>
-                    </a:schemeClr>
-                  </a:glow>
-                  <a:outerShdw blurRad="44450" dist="12700" dir="13860000" algn="tl" rotWithShape="0">
-                    <a:srgbClr val="000000">
-                      <a:alpha val="20000"/>
-                    </a:srgbClr>
-                  </a:outerShdw>
-                </a:effectLst>
-                <a:latin typeface="+mn-lt"/>
-                <a:ea typeface="+mn-ea"/>
-                <a:cs typeface="+mn-cs"/>
-              </a:defRPr>
-            </a:lvl8pPr>
-            <a:lvl9pPr marL="3657600" indent="0" algn="ctr" defTabSz="457200" rtl="0" eaLnBrk="1" latinLnBrk="0" hangingPunct="1">
-              <a:spcBef>
-                <a:spcPct val="20000"/>
-              </a:spcBef>
-              <a:spcAft>
-                <a:spcPts val="600"/>
-              </a:spcAft>
-              <a:buClr>
-                <a:schemeClr val="tx1"/>
-              </a:buClr>
-              <a:buSzPct val="100000"/>
-              <a:buFont typeface="Arial"/>
-              <a:buNone/>
-              <a:defRPr sz="1200" kern="1200" cap="small">
-                <a:solidFill>
-                  <a:schemeClr val="tx1">
-                    <a:tint val="75000"/>
-                  </a:schemeClr>
-                </a:solidFill>
-                <a:effectLst>
-                  <a:glow rad="38100">
-                    <a:schemeClr val="bg1">
-                      <a:lumMod val="50000"/>
-                      <a:lumOff val="50000"/>
-                      <a:alpha val="20000"/>
-                    </a:schemeClr>
-                  </a:glow>
-                  <a:outerShdw blurRad="44450" dist="12700" dir="13860000" algn="tl" rotWithShape="0">
-                    <a:srgbClr val="000000">
-                      <a:alpha val="20000"/>
-                    </a:srgbClr>
-                  </a:outerShdw>
-                </a:effectLst>
-                <a:latin typeface="+mn-lt"/>
-                <a:ea typeface="+mn-ea"/>
-                <a:cs typeface="+mn-cs"/>
-              </a:defRPr>
-            </a:lvl9pPr>
-          </a:lstStyle>
-          <a:p>
-            <a:r>
-              <a:rPr lang="es-ES" sz="3200" i="1" u="sng" dirty="0"/>
-              <a:t>OBJETIVO:</a:t>
-            </a:r>
-          </a:p>
-          <a:p>
-            <a:r>
-              <a:rPr lang="es-ES" sz="3200" dirty="0"/>
-              <a:t>INCLUIR LA FUNCIONALIDAD QUE PERMITA LA PUBLICACIÓN INMEDIATA DE UN TWEET PENDIENTE DE PUBLICAR YA EXISTENTE</a:t>
-            </a:r>
-          </a:p>
-          <a:p>
-            <a:pPr lvl="2"/>
-            <a:endParaRPr lang="en-US" dirty="0"/>
           </a:p>
         </p:txBody>
       </p:sp>
     </p:spTree>
     <p:extLst>
       <p:ext uri="{BB962C8B-B14F-4D97-AF65-F5344CB8AC3E}">
-        <p14:creationId xmlns:p14="http://schemas.microsoft.com/office/powerpoint/2010/main" val="1628328373"/>
+        <p14:creationId xmlns:p14="http://schemas.microsoft.com/office/powerpoint/2010/main" val="1441134211"/>
       </p:ext>
     </p:extLst>
   </p:cSld>
@@ -6783,40 +6407,408 @@
           </a:p>
         </p:txBody>
       </p:sp>
-      <p:pic>
-        <p:nvPicPr>
-          <p:cNvPr id="4" name="Imagen 3">
+      <p:sp>
+        <p:nvSpPr>
+          <p:cNvPr id="6" name="Marcador de contenido 2">
             <a:extLst>
               <a:ext uri="{FF2B5EF4-FFF2-40B4-BE49-F238E27FC236}">
-                <a16:creationId xmlns:a16="http://schemas.microsoft.com/office/drawing/2014/main" id="{51396A4C-A5B0-44E8-8BF8-C8EFE144F950}"/>
+                <a16:creationId xmlns:a16="http://schemas.microsoft.com/office/drawing/2014/main" id="{E40D538C-DE33-4A81-956E-04204503EAD6}"/>
               </a:ext>
             </a:extLst>
           </p:cNvPr>
-          <p:cNvPicPr>
-            <a:picLocks noChangeAspect="1"/>
-          </p:cNvPicPr>
+          <p:cNvSpPr txBox="1">
+            <a:spLocks/>
+          </p:cNvSpPr>
           <p:nvPr/>
-        </p:nvPicPr>
-        <p:blipFill>
-          <a:blip r:embed="rId4"/>
-          <a:stretch>
-            <a:fillRect/>
-          </a:stretch>
-        </p:blipFill>
+        </p:nvSpPr>
         <p:spPr>
           <a:xfrm>
-            <a:off x="2153766" y="2466459"/>
-            <a:ext cx="7884468" cy="3109913"/>
+            <a:off x="1141413" y="2666999"/>
+            <a:ext cx="9905998" cy="3760178"/>
           </a:xfrm>
           <a:prstGeom prst="rect">
             <a:avLst/>
           </a:prstGeom>
         </p:spPr>
-      </p:pic>
+        <p:txBody>
+          <a:bodyPr vert="horz" lIns="91440" tIns="45720" rIns="91440" bIns="45720" rtlCol="0" anchor="t">
+            <a:normAutofit/>
+          </a:bodyPr>
+          <a:lstStyle>
+            <a:lvl1pPr marL="0" indent="0" algn="ctr" defTabSz="457200" rtl="0" eaLnBrk="1" latinLnBrk="0" hangingPunct="1">
+              <a:spcBef>
+                <a:spcPct val="20000"/>
+              </a:spcBef>
+              <a:spcAft>
+                <a:spcPts val="600"/>
+              </a:spcAft>
+              <a:buClr>
+                <a:schemeClr val="tx1"/>
+              </a:buClr>
+              <a:buSzPct val="100000"/>
+              <a:buFont typeface="Arial"/>
+              <a:buNone/>
+              <a:defRPr sz="2100" kern="1200" cap="small">
+                <a:gradFill flip="none" rotWithShape="1">
+                  <a:gsLst>
+                    <a:gs pos="0">
+                      <a:schemeClr val="tx1"/>
+                    </a:gs>
+                    <a:gs pos="100000">
+                      <a:schemeClr val="tx1">
+                        <a:lumMod val="75000"/>
+                      </a:schemeClr>
+                    </a:gs>
+                  </a:gsLst>
+                  <a:lin ang="5400000" scaled="0"/>
+                  <a:tileRect/>
+                </a:gradFill>
+                <a:effectLst>
+                  <a:glow rad="38100">
+                    <a:schemeClr val="bg1">
+                      <a:lumMod val="50000"/>
+                      <a:lumOff val="50000"/>
+                      <a:alpha val="20000"/>
+                    </a:schemeClr>
+                  </a:glow>
+                  <a:outerShdw blurRad="44450" dist="12700" dir="13860000" algn="tl" rotWithShape="0">
+                    <a:srgbClr val="000000">
+                      <a:alpha val="20000"/>
+                    </a:srgbClr>
+                  </a:outerShdw>
+                </a:effectLst>
+                <a:latin typeface="+mn-lt"/>
+                <a:ea typeface="+mn-ea"/>
+                <a:cs typeface="+mn-cs"/>
+              </a:defRPr>
+            </a:lvl1pPr>
+            <a:lvl2pPr marL="457200" indent="0" algn="ctr" defTabSz="457200" rtl="0" eaLnBrk="1" latinLnBrk="0" hangingPunct="1">
+              <a:spcBef>
+                <a:spcPct val="20000"/>
+              </a:spcBef>
+              <a:spcAft>
+                <a:spcPts val="600"/>
+              </a:spcAft>
+              <a:buClr>
+                <a:schemeClr val="tx1"/>
+              </a:buClr>
+              <a:buSzPct val="100000"/>
+              <a:buFont typeface="Arial"/>
+              <a:buNone/>
+              <a:defRPr sz="1800" kern="1200" cap="small">
+                <a:solidFill>
+                  <a:schemeClr val="tx1">
+                    <a:tint val="75000"/>
+                  </a:schemeClr>
+                </a:solidFill>
+                <a:effectLst>
+                  <a:glow rad="38100">
+                    <a:schemeClr val="bg1">
+                      <a:lumMod val="50000"/>
+                      <a:lumOff val="50000"/>
+                      <a:alpha val="20000"/>
+                    </a:schemeClr>
+                  </a:glow>
+                  <a:outerShdw blurRad="44450" dist="12700" dir="13860000" algn="tl" rotWithShape="0">
+                    <a:srgbClr val="000000">
+                      <a:alpha val="20000"/>
+                    </a:srgbClr>
+                  </a:outerShdw>
+                </a:effectLst>
+                <a:latin typeface="+mn-lt"/>
+                <a:ea typeface="+mn-ea"/>
+                <a:cs typeface="+mn-cs"/>
+              </a:defRPr>
+            </a:lvl2pPr>
+            <a:lvl3pPr marL="914400" indent="0" algn="ctr" defTabSz="457200" rtl="0" eaLnBrk="1" latinLnBrk="0" hangingPunct="1">
+              <a:spcBef>
+                <a:spcPct val="20000"/>
+              </a:spcBef>
+              <a:spcAft>
+                <a:spcPts val="600"/>
+              </a:spcAft>
+              <a:buClr>
+                <a:schemeClr val="tx1"/>
+              </a:buClr>
+              <a:buSzPct val="100000"/>
+              <a:buFont typeface="Arial"/>
+              <a:buNone/>
+              <a:defRPr sz="1600" kern="1200" cap="small">
+                <a:solidFill>
+                  <a:schemeClr val="tx1">
+                    <a:tint val="75000"/>
+                  </a:schemeClr>
+                </a:solidFill>
+                <a:effectLst>
+                  <a:glow rad="38100">
+                    <a:schemeClr val="bg1">
+                      <a:lumMod val="50000"/>
+                      <a:lumOff val="50000"/>
+                      <a:alpha val="20000"/>
+                    </a:schemeClr>
+                  </a:glow>
+                  <a:outerShdw blurRad="44450" dist="12700" dir="13860000" algn="tl" rotWithShape="0">
+                    <a:srgbClr val="000000">
+                      <a:alpha val="20000"/>
+                    </a:srgbClr>
+                  </a:outerShdw>
+                </a:effectLst>
+                <a:latin typeface="+mn-lt"/>
+                <a:ea typeface="+mn-ea"/>
+                <a:cs typeface="+mn-cs"/>
+              </a:defRPr>
+            </a:lvl3pPr>
+            <a:lvl4pPr marL="1371600" indent="0" algn="ctr" defTabSz="457200" rtl="0" eaLnBrk="1" latinLnBrk="0" hangingPunct="1">
+              <a:spcBef>
+                <a:spcPct val="20000"/>
+              </a:spcBef>
+              <a:spcAft>
+                <a:spcPts val="600"/>
+              </a:spcAft>
+              <a:buClr>
+                <a:schemeClr val="tx1"/>
+              </a:buClr>
+              <a:buSzPct val="100000"/>
+              <a:buFont typeface="Arial"/>
+              <a:buNone/>
+              <a:defRPr sz="1400" kern="1200" cap="small">
+                <a:solidFill>
+                  <a:schemeClr val="tx1">
+                    <a:tint val="75000"/>
+                  </a:schemeClr>
+                </a:solidFill>
+                <a:effectLst>
+                  <a:glow rad="38100">
+                    <a:schemeClr val="bg1">
+                      <a:lumMod val="50000"/>
+                      <a:lumOff val="50000"/>
+                      <a:alpha val="20000"/>
+                    </a:schemeClr>
+                  </a:glow>
+                  <a:outerShdw blurRad="44450" dist="12700" dir="13860000" algn="tl" rotWithShape="0">
+                    <a:srgbClr val="000000">
+                      <a:alpha val="20000"/>
+                    </a:srgbClr>
+                  </a:outerShdw>
+                </a:effectLst>
+                <a:latin typeface="+mn-lt"/>
+                <a:ea typeface="+mn-ea"/>
+                <a:cs typeface="+mn-cs"/>
+              </a:defRPr>
+            </a:lvl4pPr>
+            <a:lvl5pPr marL="1828800" indent="0" algn="ctr" defTabSz="457200" rtl="0" eaLnBrk="1" latinLnBrk="0" hangingPunct="1">
+              <a:spcBef>
+                <a:spcPct val="20000"/>
+              </a:spcBef>
+              <a:spcAft>
+                <a:spcPts val="600"/>
+              </a:spcAft>
+              <a:buClr>
+                <a:schemeClr val="tx1"/>
+              </a:buClr>
+              <a:buSzPct val="100000"/>
+              <a:buFont typeface="Arial"/>
+              <a:buNone/>
+              <a:defRPr sz="1400" kern="1200" cap="small">
+                <a:solidFill>
+                  <a:schemeClr val="tx1">
+                    <a:tint val="75000"/>
+                  </a:schemeClr>
+                </a:solidFill>
+                <a:effectLst>
+                  <a:glow rad="38100">
+                    <a:schemeClr val="bg1">
+                      <a:lumMod val="50000"/>
+                      <a:lumOff val="50000"/>
+                      <a:alpha val="20000"/>
+                    </a:schemeClr>
+                  </a:glow>
+                  <a:outerShdw blurRad="44450" dist="12700" dir="13860000" algn="tl" rotWithShape="0">
+                    <a:srgbClr val="000000">
+                      <a:alpha val="20000"/>
+                    </a:srgbClr>
+                  </a:outerShdw>
+                </a:effectLst>
+                <a:latin typeface="+mn-lt"/>
+                <a:ea typeface="+mn-ea"/>
+                <a:cs typeface="+mn-cs"/>
+              </a:defRPr>
+            </a:lvl5pPr>
+            <a:lvl6pPr marL="2286000" indent="0" algn="ctr" defTabSz="457200" rtl="0" eaLnBrk="1" latinLnBrk="0" hangingPunct="1">
+              <a:spcBef>
+                <a:spcPct val="20000"/>
+              </a:spcBef>
+              <a:spcAft>
+                <a:spcPts val="600"/>
+              </a:spcAft>
+              <a:buClr>
+                <a:schemeClr val="tx1"/>
+              </a:buClr>
+              <a:buSzPct val="100000"/>
+              <a:buFont typeface="Arial"/>
+              <a:buNone/>
+              <a:defRPr sz="1200" kern="1200" cap="small">
+                <a:solidFill>
+                  <a:schemeClr val="tx1">
+                    <a:tint val="75000"/>
+                  </a:schemeClr>
+                </a:solidFill>
+                <a:effectLst>
+                  <a:glow rad="38100">
+                    <a:schemeClr val="bg1">
+                      <a:lumMod val="50000"/>
+                      <a:lumOff val="50000"/>
+                      <a:alpha val="20000"/>
+                    </a:schemeClr>
+                  </a:glow>
+                  <a:outerShdw blurRad="44450" dist="12700" dir="13860000" algn="tl" rotWithShape="0">
+                    <a:srgbClr val="000000">
+                      <a:alpha val="20000"/>
+                    </a:srgbClr>
+                  </a:outerShdw>
+                </a:effectLst>
+                <a:latin typeface="+mn-lt"/>
+                <a:ea typeface="+mn-ea"/>
+                <a:cs typeface="+mn-cs"/>
+              </a:defRPr>
+            </a:lvl6pPr>
+            <a:lvl7pPr marL="2743200" indent="0" algn="ctr" defTabSz="457200" rtl="0" eaLnBrk="1" latinLnBrk="0" hangingPunct="1">
+              <a:spcBef>
+                <a:spcPct val="20000"/>
+              </a:spcBef>
+              <a:spcAft>
+                <a:spcPts val="600"/>
+              </a:spcAft>
+              <a:buClr>
+                <a:schemeClr val="tx1"/>
+              </a:buClr>
+              <a:buSzPct val="100000"/>
+              <a:buFont typeface="Arial"/>
+              <a:buNone/>
+              <a:defRPr sz="1200" kern="1200" cap="small">
+                <a:solidFill>
+                  <a:schemeClr val="tx1">
+                    <a:tint val="75000"/>
+                  </a:schemeClr>
+                </a:solidFill>
+                <a:effectLst>
+                  <a:glow rad="38100">
+                    <a:schemeClr val="bg1">
+                      <a:lumMod val="50000"/>
+                      <a:lumOff val="50000"/>
+                      <a:alpha val="20000"/>
+                    </a:schemeClr>
+                  </a:glow>
+                  <a:outerShdw blurRad="44450" dist="12700" dir="13860000" algn="tl" rotWithShape="0">
+                    <a:srgbClr val="000000">
+                      <a:alpha val="20000"/>
+                    </a:srgbClr>
+                  </a:outerShdw>
+                </a:effectLst>
+                <a:latin typeface="+mn-lt"/>
+                <a:ea typeface="+mn-ea"/>
+                <a:cs typeface="+mn-cs"/>
+              </a:defRPr>
+            </a:lvl7pPr>
+            <a:lvl8pPr marL="3200400" indent="0" algn="ctr" defTabSz="457200" rtl="0" eaLnBrk="1" latinLnBrk="0" hangingPunct="1">
+              <a:spcBef>
+                <a:spcPct val="20000"/>
+              </a:spcBef>
+              <a:spcAft>
+                <a:spcPts val="600"/>
+              </a:spcAft>
+              <a:buClr>
+                <a:schemeClr val="tx1"/>
+              </a:buClr>
+              <a:buSzPct val="100000"/>
+              <a:buFont typeface="Arial"/>
+              <a:buNone/>
+              <a:defRPr sz="1200" kern="1200" cap="small">
+                <a:solidFill>
+                  <a:schemeClr val="tx1">
+                    <a:tint val="75000"/>
+                  </a:schemeClr>
+                </a:solidFill>
+                <a:effectLst>
+                  <a:glow rad="38100">
+                    <a:schemeClr val="bg1">
+                      <a:lumMod val="50000"/>
+                      <a:lumOff val="50000"/>
+                      <a:alpha val="20000"/>
+                    </a:schemeClr>
+                  </a:glow>
+                  <a:outerShdw blurRad="44450" dist="12700" dir="13860000" algn="tl" rotWithShape="0">
+                    <a:srgbClr val="000000">
+                      <a:alpha val="20000"/>
+                    </a:srgbClr>
+                  </a:outerShdw>
+                </a:effectLst>
+                <a:latin typeface="+mn-lt"/>
+                <a:ea typeface="+mn-ea"/>
+                <a:cs typeface="+mn-cs"/>
+              </a:defRPr>
+            </a:lvl8pPr>
+            <a:lvl9pPr marL="3657600" indent="0" algn="ctr" defTabSz="457200" rtl="0" eaLnBrk="1" latinLnBrk="0" hangingPunct="1">
+              <a:spcBef>
+                <a:spcPct val="20000"/>
+              </a:spcBef>
+              <a:spcAft>
+                <a:spcPts val="600"/>
+              </a:spcAft>
+              <a:buClr>
+                <a:schemeClr val="tx1"/>
+              </a:buClr>
+              <a:buSzPct val="100000"/>
+              <a:buFont typeface="Arial"/>
+              <a:buNone/>
+              <a:defRPr sz="1200" kern="1200" cap="small">
+                <a:solidFill>
+                  <a:schemeClr val="tx1">
+                    <a:tint val="75000"/>
+                  </a:schemeClr>
+                </a:solidFill>
+                <a:effectLst>
+                  <a:glow rad="38100">
+                    <a:schemeClr val="bg1">
+                      <a:lumMod val="50000"/>
+                      <a:lumOff val="50000"/>
+                      <a:alpha val="20000"/>
+                    </a:schemeClr>
+                  </a:glow>
+                  <a:outerShdw blurRad="44450" dist="12700" dir="13860000" algn="tl" rotWithShape="0">
+                    <a:srgbClr val="000000">
+                      <a:alpha val="20000"/>
+                    </a:srgbClr>
+                  </a:outerShdw>
+                </a:effectLst>
+                <a:latin typeface="+mn-lt"/>
+                <a:ea typeface="+mn-ea"/>
+                <a:cs typeface="+mn-cs"/>
+              </a:defRPr>
+            </a:lvl9pPr>
+          </a:lstStyle>
+          <a:p>
+            <a:r>
+              <a:rPr lang="es-ES" sz="3200" i="1" u="sng" dirty="0"/>
+              <a:t>OBJETIVO:</a:t>
+            </a:r>
+          </a:p>
+          <a:p>
+            <a:r>
+              <a:rPr lang="es-ES" sz="3200" dirty="0"/>
+              <a:t>INCLUIR LA FUNCIONALIDAD QUE PERMITA LA PUBLICACIÓN INMEDIATA DE UN TWEET PENDIENTE DE PUBLICAR YA EXISTENTE</a:t>
+            </a:r>
+          </a:p>
+          <a:p>
+            <a:pPr lvl="2"/>
+            <a:endParaRPr lang="en-US" dirty="0"/>
+          </a:p>
+        </p:txBody>
+      </p:sp>
     </p:spTree>
     <p:extLst>
       <p:ext uri="{BB962C8B-B14F-4D97-AF65-F5344CB8AC3E}">
-        <p14:creationId xmlns:p14="http://schemas.microsoft.com/office/powerpoint/2010/main" val="1141159693"/>
+        <p14:creationId xmlns:p14="http://schemas.microsoft.com/office/powerpoint/2010/main" val="1628328373"/>
       </p:ext>
     </p:extLst>
   </p:cSld>
@@ -7058,10 +7050,10 @@
       </p:sp>
       <p:pic>
         <p:nvPicPr>
-          <p:cNvPr id="3" name="Imagen 2">
+          <p:cNvPr id="4" name="Imagen 3">
             <a:extLst>
               <a:ext uri="{FF2B5EF4-FFF2-40B4-BE49-F238E27FC236}">
-                <a16:creationId xmlns:a16="http://schemas.microsoft.com/office/drawing/2014/main" id="{289B1357-55D8-4264-90A6-48CFA276B13B}"/>
+                <a16:creationId xmlns:a16="http://schemas.microsoft.com/office/drawing/2014/main" id="{51396A4C-A5B0-44E8-8BF8-C8EFE144F950}"/>
               </a:ext>
             </a:extLst>
           </p:cNvPr>
@@ -7078,8 +7070,8 @@
         </p:blipFill>
         <p:spPr>
           <a:xfrm>
-            <a:off x="3201270" y="2031332"/>
-            <a:ext cx="5789459" cy="4445667"/>
+            <a:off x="2153766" y="2466459"/>
+            <a:ext cx="7884468" cy="3109913"/>
           </a:xfrm>
           <a:prstGeom prst="rect">
             <a:avLst/>
@@ -7089,7 +7081,7 @@
     </p:spTree>
     <p:extLst>
       <p:ext uri="{BB962C8B-B14F-4D97-AF65-F5344CB8AC3E}">
-        <p14:creationId xmlns:p14="http://schemas.microsoft.com/office/powerpoint/2010/main" val="33330280"/>
+        <p14:creationId xmlns:p14="http://schemas.microsoft.com/office/powerpoint/2010/main" val="1141159693"/>
       </p:ext>
     </p:extLst>
   </p:cSld>
@@ -7323,424 +7315,46 @@
           <a:p>
             <a:r>
               <a:rPr lang="es-ES" b="1" dirty="0"/>
-              <a:t>Tweets CON IMÁGENES</a:t>
+              <a:t>Tweets bajo demanda</a:t>
             </a:r>
             <a:endParaRPr lang="en-US" b="1" dirty="0"/>
           </a:p>
         </p:txBody>
       </p:sp>
-      <p:sp>
-        <p:nvSpPr>
-          <p:cNvPr id="6" name="Marcador de contenido 2">
+      <p:pic>
+        <p:nvPicPr>
+          <p:cNvPr id="3" name="Imagen 2">
             <a:extLst>
               <a:ext uri="{FF2B5EF4-FFF2-40B4-BE49-F238E27FC236}">
-                <a16:creationId xmlns:a16="http://schemas.microsoft.com/office/drawing/2014/main" id="{52DD32FC-DE57-4467-A8F1-7899C46466A4}"/>
+                <a16:creationId xmlns:a16="http://schemas.microsoft.com/office/drawing/2014/main" id="{289B1357-55D8-4264-90A6-48CFA276B13B}"/>
               </a:ext>
             </a:extLst>
           </p:cNvPr>
-          <p:cNvSpPr txBox="1">
-            <a:spLocks/>
-          </p:cNvSpPr>
+          <p:cNvPicPr>
+            <a:picLocks noChangeAspect="1"/>
+          </p:cNvPicPr>
           <p:nvPr/>
-        </p:nvSpPr>
+        </p:nvPicPr>
+        <p:blipFill>
+          <a:blip r:embed="rId4"/>
+          <a:stretch>
+            <a:fillRect/>
+          </a:stretch>
+        </p:blipFill>
         <p:spPr>
           <a:xfrm>
-            <a:off x="1141413" y="2666999"/>
-            <a:ext cx="9905998" cy="3760178"/>
+            <a:off x="3201270" y="2031332"/>
+            <a:ext cx="5789459" cy="4445667"/>
           </a:xfrm>
           <a:prstGeom prst="rect">
             <a:avLst/>
           </a:prstGeom>
         </p:spPr>
-        <p:txBody>
-          <a:bodyPr vert="horz" lIns="91440" tIns="45720" rIns="91440" bIns="45720" rtlCol="0" anchor="t">
-            <a:normAutofit fontScale="92500" lnSpcReduction="10000"/>
-          </a:bodyPr>
-          <a:lstStyle>
-            <a:lvl1pPr marL="0" indent="0" algn="ctr" defTabSz="457200" rtl="0" eaLnBrk="1" latinLnBrk="0" hangingPunct="1">
-              <a:spcBef>
-                <a:spcPct val="20000"/>
-              </a:spcBef>
-              <a:spcAft>
-                <a:spcPts val="600"/>
-              </a:spcAft>
-              <a:buClr>
-                <a:schemeClr val="tx1"/>
-              </a:buClr>
-              <a:buSzPct val="100000"/>
-              <a:buFont typeface="Arial"/>
-              <a:buNone/>
-              <a:defRPr sz="2100" kern="1200" cap="small">
-                <a:gradFill flip="none" rotWithShape="1">
-                  <a:gsLst>
-                    <a:gs pos="0">
-                      <a:schemeClr val="tx1"/>
-                    </a:gs>
-                    <a:gs pos="100000">
-                      <a:schemeClr val="tx1">
-                        <a:lumMod val="75000"/>
-                      </a:schemeClr>
-                    </a:gs>
-                  </a:gsLst>
-                  <a:lin ang="5400000" scaled="0"/>
-                  <a:tileRect/>
-                </a:gradFill>
-                <a:effectLst>
-                  <a:glow rad="38100">
-                    <a:schemeClr val="bg1">
-                      <a:lumMod val="50000"/>
-                      <a:lumOff val="50000"/>
-                      <a:alpha val="20000"/>
-                    </a:schemeClr>
-                  </a:glow>
-                  <a:outerShdw blurRad="44450" dist="12700" dir="13860000" algn="tl" rotWithShape="0">
-                    <a:srgbClr val="000000">
-                      <a:alpha val="20000"/>
-                    </a:srgbClr>
-                  </a:outerShdw>
-                </a:effectLst>
-                <a:latin typeface="+mn-lt"/>
-                <a:ea typeface="+mn-ea"/>
-                <a:cs typeface="+mn-cs"/>
-              </a:defRPr>
-            </a:lvl1pPr>
-            <a:lvl2pPr marL="457200" indent="0" algn="ctr" defTabSz="457200" rtl="0" eaLnBrk="1" latinLnBrk="0" hangingPunct="1">
-              <a:spcBef>
-                <a:spcPct val="20000"/>
-              </a:spcBef>
-              <a:spcAft>
-                <a:spcPts val="600"/>
-              </a:spcAft>
-              <a:buClr>
-                <a:schemeClr val="tx1"/>
-              </a:buClr>
-              <a:buSzPct val="100000"/>
-              <a:buFont typeface="Arial"/>
-              <a:buNone/>
-              <a:defRPr sz="1800" kern="1200" cap="small">
-                <a:solidFill>
-                  <a:schemeClr val="tx1">
-                    <a:tint val="75000"/>
-                  </a:schemeClr>
-                </a:solidFill>
-                <a:effectLst>
-                  <a:glow rad="38100">
-                    <a:schemeClr val="bg1">
-                      <a:lumMod val="50000"/>
-                      <a:lumOff val="50000"/>
-                      <a:alpha val="20000"/>
-                    </a:schemeClr>
-                  </a:glow>
-                  <a:outerShdw blurRad="44450" dist="12700" dir="13860000" algn="tl" rotWithShape="0">
-                    <a:srgbClr val="000000">
-                      <a:alpha val="20000"/>
-                    </a:srgbClr>
-                  </a:outerShdw>
-                </a:effectLst>
-                <a:latin typeface="+mn-lt"/>
-                <a:ea typeface="+mn-ea"/>
-                <a:cs typeface="+mn-cs"/>
-              </a:defRPr>
-            </a:lvl2pPr>
-            <a:lvl3pPr marL="914400" indent="0" algn="ctr" defTabSz="457200" rtl="0" eaLnBrk="1" latinLnBrk="0" hangingPunct="1">
-              <a:spcBef>
-                <a:spcPct val="20000"/>
-              </a:spcBef>
-              <a:spcAft>
-                <a:spcPts val="600"/>
-              </a:spcAft>
-              <a:buClr>
-                <a:schemeClr val="tx1"/>
-              </a:buClr>
-              <a:buSzPct val="100000"/>
-              <a:buFont typeface="Arial"/>
-              <a:buNone/>
-              <a:defRPr sz="1600" kern="1200" cap="small">
-                <a:solidFill>
-                  <a:schemeClr val="tx1">
-                    <a:tint val="75000"/>
-                  </a:schemeClr>
-                </a:solidFill>
-                <a:effectLst>
-                  <a:glow rad="38100">
-                    <a:schemeClr val="bg1">
-                      <a:lumMod val="50000"/>
-                      <a:lumOff val="50000"/>
-                      <a:alpha val="20000"/>
-                    </a:schemeClr>
-                  </a:glow>
-                  <a:outerShdw blurRad="44450" dist="12700" dir="13860000" algn="tl" rotWithShape="0">
-                    <a:srgbClr val="000000">
-                      <a:alpha val="20000"/>
-                    </a:srgbClr>
-                  </a:outerShdw>
-                </a:effectLst>
-                <a:latin typeface="+mn-lt"/>
-                <a:ea typeface="+mn-ea"/>
-                <a:cs typeface="+mn-cs"/>
-              </a:defRPr>
-            </a:lvl3pPr>
-            <a:lvl4pPr marL="1371600" indent="0" algn="ctr" defTabSz="457200" rtl="0" eaLnBrk="1" latinLnBrk="0" hangingPunct="1">
-              <a:spcBef>
-                <a:spcPct val="20000"/>
-              </a:spcBef>
-              <a:spcAft>
-                <a:spcPts val="600"/>
-              </a:spcAft>
-              <a:buClr>
-                <a:schemeClr val="tx1"/>
-              </a:buClr>
-              <a:buSzPct val="100000"/>
-              <a:buFont typeface="Arial"/>
-              <a:buNone/>
-              <a:defRPr sz="1400" kern="1200" cap="small">
-                <a:solidFill>
-                  <a:schemeClr val="tx1">
-                    <a:tint val="75000"/>
-                  </a:schemeClr>
-                </a:solidFill>
-                <a:effectLst>
-                  <a:glow rad="38100">
-                    <a:schemeClr val="bg1">
-                      <a:lumMod val="50000"/>
-                      <a:lumOff val="50000"/>
-                      <a:alpha val="20000"/>
-                    </a:schemeClr>
-                  </a:glow>
-                  <a:outerShdw blurRad="44450" dist="12700" dir="13860000" algn="tl" rotWithShape="0">
-                    <a:srgbClr val="000000">
-                      <a:alpha val="20000"/>
-                    </a:srgbClr>
-                  </a:outerShdw>
-                </a:effectLst>
-                <a:latin typeface="+mn-lt"/>
-                <a:ea typeface="+mn-ea"/>
-                <a:cs typeface="+mn-cs"/>
-              </a:defRPr>
-            </a:lvl4pPr>
-            <a:lvl5pPr marL="1828800" indent="0" algn="ctr" defTabSz="457200" rtl="0" eaLnBrk="1" latinLnBrk="0" hangingPunct="1">
-              <a:spcBef>
-                <a:spcPct val="20000"/>
-              </a:spcBef>
-              <a:spcAft>
-                <a:spcPts val="600"/>
-              </a:spcAft>
-              <a:buClr>
-                <a:schemeClr val="tx1"/>
-              </a:buClr>
-              <a:buSzPct val="100000"/>
-              <a:buFont typeface="Arial"/>
-              <a:buNone/>
-              <a:defRPr sz="1400" kern="1200" cap="small">
-                <a:solidFill>
-                  <a:schemeClr val="tx1">
-                    <a:tint val="75000"/>
-                  </a:schemeClr>
-                </a:solidFill>
-                <a:effectLst>
-                  <a:glow rad="38100">
-                    <a:schemeClr val="bg1">
-                      <a:lumMod val="50000"/>
-                      <a:lumOff val="50000"/>
-                      <a:alpha val="20000"/>
-                    </a:schemeClr>
-                  </a:glow>
-                  <a:outerShdw blurRad="44450" dist="12700" dir="13860000" algn="tl" rotWithShape="0">
-                    <a:srgbClr val="000000">
-                      <a:alpha val="20000"/>
-                    </a:srgbClr>
-                  </a:outerShdw>
-                </a:effectLst>
-                <a:latin typeface="+mn-lt"/>
-                <a:ea typeface="+mn-ea"/>
-                <a:cs typeface="+mn-cs"/>
-              </a:defRPr>
-            </a:lvl5pPr>
-            <a:lvl6pPr marL="2286000" indent="0" algn="ctr" defTabSz="457200" rtl="0" eaLnBrk="1" latinLnBrk="0" hangingPunct="1">
-              <a:spcBef>
-                <a:spcPct val="20000"/>
-              </a:spcBef>
-              <a:spcAft>
-                <a:spcPts val="600"/>
-              </a:spcAft>
-              <a:buClr>
-                <a:schemeClr val="tx1"/>
-              </a:buClr>
-              <a:buSzPct val="100000"/>
-              <a:buFont typeface="Arial"/>
-              <a:buNone/>
-              <a:defRPr sz="1200" kern="1200" cap="small">
-                <a:solidFill>
-                  <a:schemeClr val="tx1">
-                    <a:tint val="75000"/>
-                  </a:schemeClr>
-                </a:solidFill>
-                <a:effectLst>
-                  <a:glow rad="38100">
-                    <a:schemeClr val="bg1">
-                      <a:lumMod val="50000"/>
-                      <a:lumOff val="50000"/>
-                      <a:alpha val="20000"/>
-                    </a:schemeClr>
-                  </a:glow>
-                  <a:outerShdw blurRad="44450" dist="12700" dir="13860000" algn="tl" rotWithShape="0">
-                    <a:srgbClr val="000000">
-                      <a:alpha val="20000"/>
-                    </a:srgbClr>
-                  </a:outerShdw>
-                </a:effectLst>
-                <a:latin typeface="+mn-lt"/>
-                <a:ea typeface="+mn-ea"/>
-                <a:cs typeface="+mn-cs"/>
-              </a:defRPr>
-            </a:lvl6pPr>
-            <a:lvl7pPr marL="2743200" indent="0" algn="ctr" defTabSz="457200" rtl="0" eaLnBrk="1" latinLnBrk="0" hangingPunct="1">
-              <a:spcBef>
-                <a:spcPct val="20000"/>
-              </a:spcBef>
-              <a:spcAft>
-                <a:spcPts val="600"/>
-              </a:spcAft>
-              <a:buClr>
-                <a:schemeClr val="tx1"/>
-              </a:buClr>
-              <a:buSzPct val="100000"/>
-              <a:buFont typeface="Arial"/>
-              <a:buNone/>
-              <a:defRPr sz="1200" kern="1200" cap="small">
-                <a:solidFill>
-                  <a:schemeClr val="tx1">
-                    <a:tint val="75000"/>
-                  </a:schemeClr>
-                </a:solidFill>
-                <a:effectLst>
-                  <a:glow rad="38100">
-                    <a:schemeClr val="bg1">
-                      <a:lumMod val="50000"/>
-                      <a:lumOff val="50000"/>
-                      <a:alpha val="20000"/>
-                    </a:schemeClr>
-                  </a:glow>
-                  <a:outerShdw blurRad="44450" dist="12700" dir="13860000" algn="tl" rotWithShape="0">
-                    <a:srgbClr val="000000">
-                      <a:alpha val="20000"/>
-                    </a:srgbClr>
-                  </a:outerShdw>
-                </a:effectLst>
-                <a:latin typeface="+mn-lt"/>
-                <a:ea typeface="+mn-ea"/>
-                <a:cs typeface="+mn-cs"/>
-              </a:defRPr>
-            </a:lvl7pPr>
-            <a:lvl8pPr marL="3200400" indent="0" algn="ctr" defTabSz="457200" rtl="0" eaLnBrk="1" latinLnBrk="0" hangingPunct="1">
-              <a:spcBef>
-                <a:spcPct val="20000"/>
-              </a:spcBef>
-              <a:spcAft>
-                <a:spcPts val="600"/>
-              </a:spcAft>
-              <a:buClr>
-                <a:schemeClr val="tx1"/>
-              </a:buClr>
-              <a:buSzPct val="100000"/>
-              <a:buFont typeface="Arial"/>
-              <a:buNone/>
-              <a:defRPr sz="1200" kern="1200" cap="small">
-                <a:solidFill>
-                  <a:schemeClr val="tx1">
-                    <a:tint val="75000"/>
-                  </a:schemeClr>
-                </a:solidFill>
-                <a:effectLst>
-                  <a:glow rad="38100">
-                    <a:schemeClr val="bg1">
-                      <a:lumMod val="50000"/>
-                      <a:lumOff val="50000"/>
-                      <a:alpha val="20000"/>
-                    </a:schemeClr>
-                  </a:glow>
-                  <a:outerShdw blurRad="44450" dist="12700" dir="13860000" algn="tl" rotWithShape="0">
-                    <a:srgbClr val="000000">
-                      <a:alpha val="20000"/>
-                    </a:srgbClr>
-                  </a:outerShdw>
-                </a:effectLst>
-                <a:latin typeface="+mn-lt"/>
-                <a:ea typeface="+mn-ea"/>
-                <a:cs typeface="+mn-cs"/>
-              </a:defRPr>
-            </a:lvl8pPr>
-            <a:lvl9pPr marL="3657600" indent="0" algn="ctr" defTabSz="457200" rtl="0" eaLnBrk="1" latinLnBrk="0" hangingPunct="1">
-              <a:spcBef>
-                <a:spcPct val="20000"/>
-              </a:spcBef>
-              <a:spcAft>
-                <a:spcPts val="600"/>
-              </a:spcAft>
-              <a:buClr>
-                <a:schemeClr val="tx1"/>
-              </a:buClr>
-              <a:buSzPct val="100000"/>
-              <a:buFont typeface="Arial"/>
-              <a:buNone/>
-              <a:defRPr sz="1200" kern="1200" cap="small">
-                <a:solidFill>
-                  <a:schemeClr val="tx1">
-                    <a:tint val="75000"/>
-                  </a:schemeClr>
-                </a:solidFill>
-                <a:effectLst>
-                  <a:glow rad="38100">
-                    <a:schemeClr val="bg1">
-                      <a:lumMod val="50000"/>
-                      <a:lumOff val="50000"/>
-                      <a:alpha val="20000"/>
-                    </a:schemeClr>
-                  </a:glow>
-                  <a:outerShdw blurRad="44450" dist="12700" dir="13860000" algn="tl" rotWithShape="0">
-                    <a:srgbClr val="000000">
-                      <a:alpha val="20000"/>
-                    </a:srgbClr>
-                  </a:outerShdw>
-                </a:effectLst>
-                <a:latin typeface="+mn-lt"/>
-                <a:ea typeface="+mn-ea"/>
-                <a:cs typeface="+mn-cs"/>
-              </a:defRPr>
-            </a:lvl9pPr>
-          </a:lstStyle>
-          <a:p>
-            <a:r>
-              <a:rPr lang="es-ES" sz="3200" i="1" u="sng" dirty="0"/>
-              <a:t>OBJETIVO:</a:t>
-            </a:r>
-            <a:endParaRPr lang="es-ES" sz="3200" i="1" dirty="0"/>
-          </a:p>
-          <a:p>
-            <a:r>
-              <a:rPr lang="es-ES" sz="3200" dirty="0"/>
-              <a:t>INCLUIR LA FUNCIONALIDAD PARA QUE LOS TWEETS A PUBLICAR PUEDAN TENER COMO CONTENIDO UNA O MAS IMÁGENES</a:t>
-            </a:r>
-          </a:p>
-          <a:p>
-            <a:endParaRPr lang="es-ES" sz="3200" dirty="0"/>
-          </a:p>
-          <a:p>
-            <a:r>
-              <a:rPr lang="es-ES" sz="3200" dirty="0"/>
-              <a:t>DE CADA IMAGEN SE PROPORCIONARÁ LA URL EN LA QUE ESTÁ DISPONIBLE </a:t>
-            </a:r>
-          </a:p>
-          <a:p>
-            <a:pPr lvl="2"/>
-            <a:endParaRPr lang="en-US" dirty="0"/>
-          </a:p>
-        </p:txBody>
-      </p:sp>
+      </p:pic>
     </p:spTree>
     <p:extLst>
       <p:ext uri="{BB962C8B-B14F-4D97-AF65-F5344CB8AC3E}">
-        <p14:creationId xmlns:p14="http://schemas.microsoft.com/office/powerpoint/2010/main" val="3442621920"/>
+        <p14:creationId xmlns:p14="http://schemas.microsoft.com/office/powerpoint/2010/main" val="33330280"/>
       </p:ext>
     </p:extLst>
   </p:cSld>
@@ -7980,6 +7594,657 @@
           </a:p>
         </p:txBody>
       </p:sp>
+      <p:sp>
+        <p:nvSpPr>
+          <p:cNvPr id="6" name="Marcador de contenido 2">
+            <a:extLst>
+              <a:ext uri="{FF2B5EF4-FFF2-40B4-BE49-F238E27FC236}">
+                <a16:creationId xmlns:a16="http://schemas.microsoft.com/office/drawing/2014/main" id="{52DD32FC-DE57-4467-A8F1-7899C46466A4}"/>
+              </a:ext>
+            </a:extLst>
+          </p:cNvPr>
+          <p:cNvSpPr txBox="1">
+            <a:spLocks/>
+          </p:cNvSpPr>
+          <p:nvPr/>
+        </p:nvSpPr>
+        <p:spPr>
+          <a:xfrm>
+            <a:off x="1141413" y="2666999"/>
+            <a:ext cx="9905998" cy="3760178"/>
+          </a:xfrm>
+          <a:prstGeom prst="rect">
+            <a:avLst/>
+          </a:prstGeom>
+        </p:spPr>
+        <p:txBody>
+          <a:bodyPr vert="horz" lIns="91440" tIns="45720" rIns="91440" bIns="45720" rtlCol="0" anchor="t">
+            <a:normAutofit fontScale="92500" lnSpcReduction="10000"/>
+          </a:bodyPr>
+          <a:lstStyle>
+            <a:lvl1pPr marL="0" indent="0" algn="ctr" defTabSz="457200" rtl="0" eaLnBrk="1" latinLnBrk="0" hangingPunct="1">
+              <a:spcBef>
+                <a:spcPct val="20000"/>
+              </a:spcBef>
+              <a:spcAft>
+                <a:spcPts val="600"/>
+              </a:spcAft>
+              <a:buClr>
+                <a:schemeClr val="tx1"/>
+              </a:buClr>
+              <a:buSzPct val="100000"/>
+              <a:buFont typeface="Arial"/>
+              <a:buNone/>
+              <a:defRPr sz="2100" kern="1200" cap="small">
+                <a:gradFill flip="none" rotWithShape="1">
+                  <a:gsLst>
+                    <a:gs pos="0">
+                      <a:schemeClr val="tx1"/>
+                    </a:gs>
+                    <a:gs pos="100000">
+                      <a:schemeClr val="tx1">
+                        <a:lumMod val="75000"/>
+                      </a:schemeClr>
+                    </a:gs>
+                  </a:gsLst>
+                  <a:lin ang="5400000" scaled="0"/>
+                  <a:tileRect/>
+                </a:gradFill>
+                <a:effectLst>
+                  <a:glow rad="38100">
+                    <a:schemeClr val="bg1">
+                      <a:lumMod val="50000"/>
+                      <a:lumOff val="50000"/>
+                      <a:alpha val="20000"/>
+                    </a:schemeClr>
+                  </a:glow>
+                  <a:outerShdw blurRad="44450" dist="12700" dir="13860000" algn="tl" rotWithShape="0">
+                    <a:srgbClr val="000000">
+                      <a:alpha val="20000"/>
+                    </a:srgbClr>
+                  </a:outerShdw>
+                </a:effectLst>
+                <a:latin typeface="+mn-lt"/>
+                <a:ea typeface="+mn-ea"/>
+                <a:cs typeface="+mn-cs"/>
+              </a:defRPr>
+            </a:lvl1pPr>
+            <a:lvl2pPr marL="457200" indent="0" algn="ctr" defTabSz="457200" rtl="0" eaLnBrk="1" latinLnBrk="0" hangingPunct="1">
+              <a:spcBef>
+                <a:spcPct val="20000"/>
+              </a:spcBef>
+              <a:spcAft>
+                <a:spcPts val="600"/>
+              </a:spcAft>
+              <a:buClr>
+                <a:schemeClr val="tx1"/>
+              </a:buClr>
+              <a:buSzPct val="100000"/>
+              <a:buFont typeface="Arial"/>
+              <a:buNone/>
+              <a:defRPr sz="1800" kern="1200" cap="small">
+                <a:solidFill>
+                  <a:schemeClr val="tx1">
+                    <a:tint val="75000"/>
+                  </a:schemeClr>
+                </a:solidFill>
+                <a:effectLst>
+                  <a:glow rad="38100">
+                    <a:schemeClr val="bg1">
+                      <a:lumMod val="50000"/>
+                      <a:lumOff val="50000"/>
+                      <a:alpha val="20000"/>
+                    </a:schemeClr>
+                  </a:glow>
+                  <a:outerShdw blurRad="44450" dist="12700" dir="13860000" algn="tl" rotWithShape="0">
+                    <a:srgbClr val="000000">
+                      <a:alpha val="20000"/>
+                    </a:srgbClr>
+                  </a:outerShdw>
+                </a:effectLst>
+                <a:latin typeface="+mn-lt"/>
+                <a:ea typeface="+mn-ea"/>
+                <a:cs typeface="+mn-cs"/>
+              </a:defRPr>
+            </a:lvl2pPr>
+            <a:lvl3pPr marL="914400" indent="0" algn="ctr" defTabSz="457200" rtl="0" eaLnBrk="1" latinLnBrk="0" hangingPunct="1">
+              <a:spcBef>
+                <a:spcPct val="20000"/>
+              </a:spcBef>
+              <a:spcAft>
+                <a:spcPts val="600"/>
+              </a:spcAft>
+              <a:buClr>
+                <a:schemeClr val="tx1"/>
+              </a:buClr>
+              <a:buSzPct val="100000"/>
+              <a:buFont typeface="Arial"/>
+              <a:buNone/>
+              <a:defRPr sz="1600" kern="1200" cap="small">
+                <a:solidFill>
+                  <a:schemeClr val="tx1">
+                    <a:tint val="75000"/>
+                  </a:schemeClr>
+                </a:solidFill>
+                <a:effectLst>
+                  <a:glow rad="38100">
+                    <a:schemeClr val="bg1">
+                      <a:lumMod val="50000"/>
+                      <a:lumOff val="50000"/>
+                      <a:alpha val="20000"/>
+                    </a:schemeClr>
+                  </a:glow>
+                  <a:outerShdw blurRad="44450" dist="12700" dir="13860000" algn="tl" rotWithShape="0">
+                    <a:srgbClr val="000000">
+                      <a:alpha val="20000"/>
+                    </a:srgbClr>
+                  </a:outerShdw>
+                </a:effectLst>
+                <a:latin typeface="+mn-lt"/>
+                <a:ea typeface="+mn-ea"/>
+                <a:cs typeface="+mn-cs"/>
+              </a:defRPr>
+            </a:lvl3pPr>
+            <a:lvl4pPr marL="1371600" indent="0" algn="ctr" defTabSz="457200" rtl="0" eaLnBrk="1" latinLnBrk="0" hangingPunct="1">
+              <a:spcBef>
+                <a:spcPct val="20000"/>
+              </a:spcBef>
+              <a:spcAft>
+                <a:spcPts val="600"/>
+              </a:spcAft>
+              <a:buClr>
+                <a:schemeClr val="tx1"/>
+              </a:buClr>
+              <a:buSzPct val="100000"/>
+              <a:buFont typeface="Arial"/>
+              <a:buNone/>
+              <a:defRPr sz="1400" kern="1200" cap="small">
+                <a:solidFill>
+                  <a:schemeClr val="tx1">
+                    <a:tint val="75000"/>
+                  </a:schemeClr>
+                </a:solidFill>
+                <a:effectLst>
+                  <a:glow rad="38100">
+                    <a:schemeClr val="bg1">
+                      <a:lumMod val="50000"/>
+                      <a:lumOff val="50000"/>
+                      <a:alpha val="20000"/>
+                    </a:schemeClr>
+                  </a:glow>
+                  <a:outerShdw blurRad="44450" dist="12700" dir="13860000" algn="tl" rotWithShape="0">
+                    <a:srgbClr val="000000">
+                      <a:alpha val="20000"/>
+                    </a:srgbClr>
+                  </a:outerShdw>
+                </a:effectLst>
+                <a:latin typeface="+mn-lt"/>
+                <a:ea typeface="+mn-ea"/>
+                <a:cs typeface="+mn-cs"/>
+              </a:defRPr>
+            </a:lvl4pPr>
+            <a:lvl5pPr marL="1828800" indent="0" algn="ctr" defTabSz="457200" rtl="0" eaLnBrk="1" latinLnBrk="0" hangingPunct="1">
+              <a:spcBef>
+                <a:spcPct val="20000"/>
+              </a:spcBef>
+              <a:spcAft>
+                <a:spcPts val="600"/>
+              </a:spcAft>
+              <a:buClr>
+                <a:schemeClr val="tx1"/>
+              </a:buClr>
+              <a:buSzPct val="100000"/>
+              <a:buFont typeface="Arial"/>
+              <a:buNone/>
+              <a:defRPr sz="1400" kern="1200" cap="small">
+                <a:solidFill>
+                  <a:schemeClr val="tx1">
+                    <a:tint val="75000"/>
+                  </a:schemeClr>
+                </a:solidFill>
+                <a:effectLst>
+                  <a:glow rad="38100">
+                    <a:schemeClr val="bg1">
+                      <a:lumMod val="50000"/>
+                      <a:lumOff val="50000"/>
+                      <a:alpha val="20000"/>
+                    </a:schemeClr>
+                  </a:glow>
+                  <a:outerShdw blurRad="44450" dist="12700" dir="13860000" algn="tl" rotWithShape="0">
+                    <a:srgbClr val="000000">
+                      <a:alpha val="20000"/>
+                    </a:srgbClr>
+                  </a:outerShdw>
+                </a:effectLst>
+                <a:latin typeface="+mn-lt"/>
+                <a:ea typeface="+mn-ea"/>
+                <a:cs typeface="+mn-cs"/>
+              </a:defRPr>
+            </a:lvl5pPr>
+            <a:lvl6pPr marL="2286000" indent="0" algn="ctr" defTabSz="457200" rtl="0" eaLnBrk="1" latinLnBrk="0" hangingPunct="1">
+              <a:spcBef>
+                <a:spcPct val="20000"/>
+              </a:spcBef>
+              <a:spcAft>
+                <a:spcPts val="600"/>
+              </a:spcAft>
+              <a:buClr>
+                <a:schemeClr val="tx1"/>
+              </a:buClr>
+              <a:buSzPct val="100000"/>
+              <a:buFont typeface="Arial"/>
+              <a:buNone/>
+              <a:defRPr sz="1200" kern="1200" cap="small">
+                <a:solidFill>
+                  <a:schemeClr val="tx1">
+                    <a:tint val="75000"/>
+                  </a:schemeClr>
+                </a:solidFill>
+                <a:effectLst>
+                  <a:glow rad="38100">
+                    <a:schemeClr val="bg1">
+                      <a:lumMod val="50000"/>
+                      <a:lumOff val="50000"/>
+                      <a:alpha val="20000"/>
+                    </a:schemeClr>
+                  </a:glow>
+                  <a:outerShdw blurRad="44450" dist="12700" dir="13860000" algn="tl" rotWithShape="0">
+                    <a:srgbClr val="000000">
+                      <a:alpha val="20000"/>
+                    </a:srgbClr>
+                  </a:outerShdw>
+                </a:effectLst>
+                <a:latin typeface="+mn-lt"/>
+                <a:ea typeface="+mn-ea"/>
+                <a:cs typeface="+mn-cs"/>
+              </a:defRPr>
+            </a:lvl6pPr>
+            <a:lvl7pPr marL="2743200" indent="0" algn="ctr" defTabSz="457200" rtl="0" eaLnBrk="1" latinLnBrk="0" hangingPunct="1">
+              <a:spcBef>
+                <a:spcPct val="20000"/>
+              </a:spcBef>
+              <a:spcAft>
+                <a:spcPts val="600"/>
+              </a:spcAft>
+              <a:buClr>
+                <a:schemeClr val="tx1"/>
+              </a:buClr>
+              <a:buSzPct val="100000"/>
+              <a:buFont typeface="Arial"/>
+              <a:buNone/>
+              <a:defRPr sz="1200" kern="1200" cap="small">
+                <a:solidFill>
+                  <a:schemeClr val="tx1">
+                    <a:tint val="75000"/>
+                  </a:schemeClr>
+                </a:solidFill>
+                <a:effectLst>
+                  <a:glow rad="38100">
+                    <a:schemeClr val="bg1">
+                      <a:lumMod val="50000"/>
+                      <a:lumOff val="50000"/>
+                      <a:alpha val="20000"/>
+                    </a:schemeClr>
+                  </a:glow>
+                  <a:outerShdw blurRad="44450" dist="12700" dir="13860000" algn="tl" rotWithShape="0">
+                    <a:srgbClr val="000000">
+                      <a:alpha val="20000"/>
+                    </a:srgbClr>
+                  </a:outerShdw>
+                </a:effectLst>
+                <a:latin typeface="+mn-lt"/>
+                <a:ea typeface="+mn-ea"/>
+                <a:cs typeface="+mn-cs"/>
+              </a:defRPr>
+            </a:lvl7pPr>
+            <a:lvl8pPr marL="3200400" indent="0" algn="ctr" defTabSz="457200" rtl="0" eaLnBrk="1" latinLnBrk="0" hangingPunct="1">
+              <a:spcBef>
+                <a:spcPct val="20000"/>
+              </a:spcBef>
+              <a:spcAft>
+                <a:spcPts val="600"/>
+              </a:spcAft>
+              <a:buClr>
+                <a:schemeClr val="tx1"/>
+              </a:buClr>
+              <a:buSzPct val="100000"/>
+              <a:buFont typeface="Arial"/>
+              <a:buNone/>
+              <a:defRPr sz="1200" kern="1200" cap="small">
+                <a:solidFill>
+                  <a:schemeClr val="tx1">
+                    <a:tint val="75000"/>
+                  </a:schemeClr>
+                </a:solidFill>
+                <a:effectLst>
+                  <a:glow rad="38100">
+                    <a:schemeClr val="bg1">
+                      <a:lumMod val="50000"/>
+                      <a:lumOff val="50000"/>
+                      <a:alpha val="20000"/>
+                    </a:schemeClr>
+                  </a:glow>
+                  <a:outerShdw blurRad="44450" dist="12700" dir="13860000" algn="tl" rotWithShape="0">
+                    <a:srgbClr val="000000">
+                      <a:alpha val="20000"/>
+                    </a:srgbClr>
+                  </a:outerShdw>
+                </a:effectLst>
+                <a:latin typeface="+mn-lt"/>
+                <a:ea typeface="+mn-ea"/>
+                <a:cs typeface="+mn-cs"/>
+              </a:defRPr>
+            </a:lvl8pPr>
+            <a:lvl9pPr marL="3657600" indent="0" algn="ctr" defTabSz="457200" rtl="0" eaLnBrk="1" latinLnBrk="0" hangingPunct="1">
+              <a:spcBef>
+                <a:spcPct val="20000"/>
+              </a:spcBef>
+              <a:spcAft>
+                <a:spcPts val="600"/>
+              </a:spcAft>
+              <a:buClr>
+                <a:schemeClr val="tx1"/>
+              </a:buClr>
+              <a:buSzPct val="100000"/>
+              <a:buFont typeface="Arial"/>
+              <a:buNone/>
+              <a:defRPr sz="1200" kern="1200" cap="small">
+                <a:solidFill>
+                  <a:schemeClr val="tx1">
+                    <a:tint val="75000"/>
+                  </a:schemeClr>
+                </a:solidFill>
+                <a:effectLst>
+                  <a:glow rad="38100">
+                    <a:schemeClr val="bg1">
+                      <a:lumMod val="50000"/>
+                      <a:lumOff val="50000"/>
+                      <a:alpha val="20000"/>
+                    </a:schemeClr>
+                  </a:glow>
+                  <a:outerShdw blurRad="44450" dist="12700" dir="13860000" algn="tl" rotWithShape="0">
+                    <a:srgbClr val="000000">
+                      <a:alpha val="20000"/>
+                    </a:srgbClr>
+                  </a:outerShdw>
+                </a:effectLst>
+                <a:latin typeface="+mn-lt"/>
+                <a:ea typeface="+mn-ea"/>
+                <a:cs typeface="+mn-cs"/>
+              </a:defRPr>
+            </a:lvl9pPr>
+          </a:lstStyle>
+          <a:p>
+            <a:r>
+              <a:rPr lang="es-ES" sz="3200" i="1" u="sng" dirty="0"/>
+              <a:t>OBJETIVO:</a:t>
+            </a:r>
+            <a:endParaRPr lang="es-ES" sz="3200" i="1" dirty="0"/>
+          </a:p>
+          <a:p>
+            <a:r>
+              <a:rPr lang="es-ES" sz="3200" dirty="0"/>
+              <a:t>INCLUIR LA FUNCIONALIDAD PARA QUE LOS TWEETS A PUBLICAR PUEDAN TENER COMO CONTENIDO UNA O MAS IMÁGENES</a:t>
+            </a:r>
+          </a:p>
+          <a:p>
+            <a:endParaRPr lang="es-ES" sz="3200" dirty="0"/>
+          </a:p>
+          <a:p>
+            <a:r>
+              <a:rPr lang="es-ES" sz="3200" dirty="0"/>
+              <a:t>DE CADA IMAGEN SE PROPORCIONARÁ LA URL EN LA QUE ESTÁ DISPONIBLE </a:t>
+            </a:r>
+          </a:p>
+          <a:p>
+            <a:pPr lvl="2"/>
+            <a:endParaRPr lang="en-US" dirty="0"/>
+          </a:p>
+        </p:txBody>
+      </p:sp>
+    </p:spTree>
+    <p:extLst>
+      <p:ext uri="{BB962C8B-B14F-4D97-AF65-F5344CB8AC3E}">
+        <p14:creationId xmlns:p14="http://schemas.microsoft.com/office/powerpoint/2010/main" val="3442621920"/>
+      </p:ext>
+    </p:extLst>
+  </p:cSld>
+  <p:clrMapOvr>
+    <a:masterClrMapping/>
+  </p:clrMapOvr>
+</p:sld>
+</file>
+
+<file path=ppt/slides/slide15.xml><?xml version="1.0" encoding="utf-8"?>
+<p:sld xmlns:a="http://schemas.openxmlformats.org/drawingml/2006/main" xmlns:r="http://schemas.openxmlformats.org/officeDocument/2006/relationships" xmlns:p="http://schemas.openxmlformats.org/presentationml/2006/main">
+  <p:cSld>
+    <p:spTree>
+      <p:nvGrpSpPr>
+        <p:cNvPr id="1" name=""/>
+        <p:cNvGrpSpPr/>
+        <p:nvPr/>
+      </p:nvGrpSpPr>
+      <p:grpSpPr>
+        <a:xfrm>
+          <a:off x="0" y="0"/>
+          <a:ext cx="0" cy="0"/>
+          <a:chOff x="0" y="0"/>
+          <a:chExt cx="0" cy="0"/>
+        </a:xfrm>
+      </p:grpSpPr>
+      <p:pic>
+        <p:nvPicPr>
+          <p:cNvPr id="1026" name="Picture 2">
+            <a:extLst>
+              <a:ext uri="{FF2B5EF4-FFF2-40B4-BE49-F238E27FC236}">
+                <a16:creationId xmlns:a16="http://schemas.microsoft.com/office/drawing/2014/main" id="{BC6AB0F7-4EF1-4135-8D1D-96F32B0D49BC}"/>
+              </a:ext>
+            </a:extLst>
+          </p:cNvPr>
+          <p:cNvPicPr>
+            <a:picLocks noChangeAspect="1" noChangeArrowheads="1"/>
+          </p:cNvPicPr>
+          <p:nvPr/>
+        </p:nvPicPr>
+        <p:blipFill>
+          <a:blip r:embed="rId2">
+            <a:extLst>
+              <a:ext uri="{28A0092B-C50C-407E-A947-70E740481C1C}">
+                <a14:useLocalDpi xmlns:a14="http://schemas.microsoft.com/office/drawing/2010/main" val="0"/>
+              </a:ext>
+            </a:extLst>
+          </a:blip>
+          <a:srcRect/>
+          <a:stretch>
+            <a:fillRect/>
+          </a:stretch>
+        </p:blipFill>
+        <p:spPr bwMode="auto">
+          <a:xfrm>
+            <a:off x="430107" y="285207"/>
+            <a:ext cx="1625262" cy="1037459"/>
+          </a:xfrm>
+          <a:prstGeom prst="rect">
+            <a:avLst/>
+          </a:prstGeom>
+          <a:noFill/>
+          <a:extLst>
+            <a:ext uri="{909E8E84-426E-40DD-AFC4-6F175D3DCCD1}">
+              <a14:hiddenFill xmlns:a14="http://schemas.microsoft.com/office/drawing/2010/main">
+                <a:solidFill>
+                  <a:srgbClr val="FFFFFF"/>
+                </a:solidFill>
+              </a14:hiddenFill>
+            </a:ext>
+          </a:extLst>
+        </p:spPr>
+      </p:pic>
+      <p:pic>
+        <p:nvPicPr>
+          <p:cNvPr id="13" name="Imagen 12">
+            <a:extLst>
+              <a:ext uri="{FF2B5EF4-FFF2-40B4-BE49-F238E27FC236}">
+                <a16:creationId xmlns:a16="http://schemas.microsoft.com/office/drawing/2014/main" id="{0C155BD2-30E5-4F18-B5E9-293697DCFC89}"/>
+              </a:ext>
+            </a:extLst>
+          </p:cNvPr>
+          <p:cNvPicPr>
+            <a:picLocks noChangeAspect="1"/>
+          </p:cNvPicPr>
+          <p:nvPr/>
+        </p:nvPicPr>
+        <p:blipFill>
+          <a:blip r:embed="rId3"/>
+          <a:stretch>
+            <a:fillRect/>
+          </a:stretch>
+        </p:blipFill>
+        <p:spPr>
+          <a:xfrm>
+            <a:off x="10452886" y="285207"/>
+            <a:ext cx="1105443" cy="1105443"/>
+          </a:xfrm>
+          <a:prstGeom prst="rect">
+            <a:avLst/>
+          </a:prstGeom>
+        </p:spPr>
+      </p:pic>
+      <p:sp>
+        <p:nvSpPr>
+          <p:cNvPr id="14" name="Título 1">
+            <a:extLst>
+              <a:ext uri="{FF2B5EF4-FFF2-40B4-BE49-F238E27FC236}">
+                <a16:creationId xmlns:a16="http://schemas.microsoft.com/office/drawing/2014/main" id="{67DC4987-0E14-4C19-8822-98D118E9E343}"/>
+              </a:ext>
+            </a:extLst>
+          </p:cNvPr>
+          <p:cNvSpPr txBox="1">
+            <a:spLocks/>
+          </p:cNvSpPr>
+          <p:nvPr/>
+        </p:nvSpPr>
+        <p:spPr>
+          <a:xfrm>
+            <a:off x="0" y="976055"/>
+            <a:ext cx="12192000" cy="799556"/>
+          </a:xfrm>
+          <a:prstGeom prst="rect">
+            <a:avLst/>
+          </a:prstGeom>
+        </p:spPr>
+        <p:txBody>
+          <a:bodyPr vert="horz" lIns="91440" tIns="45720" rIns="91440" bIns="45720" rtlCol="0" anchor="b">
+            <a:normAutofit lnSpcReduction="10000"/>
+          </a:bodyPr>
+          <a:lstStyle>
+            <a:lvl1pPr algn="ctr" defTabSz="457200" rtl="0" eaLnBrk="1" latinLnBrk="0" hangingPunct="1">
+              <a:spcBef>
+                <a:spcPct val="0"/>
+              </a:spcBef>
+              <a:buNone/>
+              <a:defRPr sz="4800" kern="1200" cap="all">
+                <a:ln w="3175" cmpd="sng">
+                  <a:noFill/>
+                </a:ln>
+                <a:gradFill flip="none" rotWithShape="1">
+                  <a:gsLst>
+                    <a:gs pos="0">
+                      <a:schemeClr val="tx1"/>
+                    </a:gs>
+                    <a:gs pos="100000">
+                      <a:schemeClr val="tx1">
+                        <a:lumMod val="65000"/>
+                      </a:schemeClr>
+                    </a:gs>
+                  </a:gsLst>
+                  <a:lin ang="5580000" scaled="0"/>
+                  <a:tileRect/>
+                </a:gradFill>
+                <a:effectLst>
+                  <a:glow rad="38100">
+                    <a:schemeClr val="bg1">
+                      <a:lumMod val="65000"/>
+                      <a:lumOff val="35000"/>
+                      <a:alpha val="50000"/>
+                    </a:schemeClr>
+                  </a:glow>
+                  <a:outerShdw blurRad="28575" dist="31750" dir="13200000" algn="tl" rotWithShape="0">
+                    <a:srgbClr val="000000">
+                      <a:alpha val="25000"/>
+                    </a:srgbClr>
+                  </a:outerShdw>
+                </a:effectLst>
+                <a:latin typeface="+mj-lt"/>
+                <a:ea typeface="+mj-ea"/>
+                <a:cs typeface="+mj-cs"/>
+              </a:defRPr>
+            </a:lvl1pPr>
+            <a:lvl2pPr eaLnBrk="1" hangingPunct="1">
+              <a:defRPr>
+                <a:solidFill>
+                  <a:schemeClr val="tx2"/>
+                </a:solidFill>
+              </a:defRPr>
+            </a:lvl2pPr>
+            <a:lvl3pPr eaLnBrk="1" hangingPunct="1">
+              <a:defRPr>
+                <a:solidFill>
+                  <a:schemeClr val="tx2"/>
+                </a:solidFill>
+              </a:defRPr>
+            </a:lvl3pPr>
+            <a:lvl4pPr eaLnBrk="1" hangingPunct="1">
+              <a:defRPr>
+                <a:solidFill>
+                  <a:schemeClr val="tx2"/>
+                </a:solidFill>
+              </a:defRPr>
+            </a:lvl4pPr>
+            <a:lvl5pPr eaLnBrk="1" hangingPunct="1">
+              <a:defRPr>
+                <a:solidFill>
+                  <a:schemeClr val="tx2"/>
+                </a:solidFill>
+              </a:defRPr>
+            </a:lvl5pPr>
+            <a:lvl6pPr eaLnBrk="1" hangingPunct="1">
+              <a:defRPr>
+                <a:solidFill>
+                  <a:schemeClr val="tx2"/>
+                </a:solidFill>
+              </a:defRPr>
+            </a:lvl6pPr>
+            <a:lvl7pPr eaLnBrk="1" hangingPunct="1">
+              <a:defRPr>
+                <a:solidFill>
+                  <a:schemeClr val="tx2"/>
+                </a:solidFill>
+              </a:defRPr>
+            </a:lvl7pPr>
+            <a:lvl8pPr eaLnBrk="1" hangingPunct="1">
+              <a:defRPr>
+                <a:solidFill>
+                  <a:schemeClr val="tx2"/>
+                </a:solidFill>
+              </a:defRPr>
+            </a:lvl8pPr>
+            <a:lvl9pPr eaLnBrk="1" hangingPunct="1">
+              <a:defRPr>
+                <a:solidFill>
+                  <a:schemeClr val="tx2"/>
+                </a:solidFill>
+              </a:defRPr>
+            </a:lvl9pPr>
+          </a:lstStyle>
+          <a:p>
+            <a:r>
+              <a:rPr lang="es-ES" b="1" dirty="0"/>
+              <a:t>Tweets CON IMÁGENES</a:t>
+            </a:r>
+            <a:endParaRPr lang="en-US" b="1" dirty="0"/>
+          </a:p>
+        </p:txBody>
+      </p:sp>
       <p:pic>
         <p:nvPicPr>
           <p:cNvPr id="5" name="Imagen 4">
@@ -8023,7 +8288,7 @@
 </p:sld>
 </file>
 
-<file path=ppt/slides/slide15.xml><?xml version="1.0" encoding="utf-8"?>
+<file path=ppt/slides/slide16.xml><?xml version="1.0" encoding="utf-8"?>
 <p:sld xmlns:a="http://schemas.openxmlformats.org/drawingml/2006/main" xmlns:r="http://schemas.openxmlformats.org/officeDocument/2006/relationships" xmlns:p="http://schemas.openxmlformats.org/presentationml/2006/main">
   <p:cSld>
     <p:spTree>
@@ -8266,7 +8531,7 @@
 </p:sld>
 </file>
 
-<file path=ppt/slides/slide16.xml><?xml version="1.0" encoding="utf-8"?>
+<file path=ppt/slides/slide17.xml><?xml version="1.0" encoding="utf-8"?>
 <p:sld xmlns:a="http://schemas.openxmlformats.org/drawingml/2006/main" xmlns:r="http://schemas.openxmlformats.org/officeDocument/2006/relationships" xmlns:p="http://schemas.openxmlformats.org/presentationml/2006/main">
   <p:cSld>
     <p:spTree>
@@ -8964,7 +9229,7 @@
 </p:sld>
 </file>
 
-<file path=ppt/slides/slide17.xml><?xml version="1.0" encoding="utf-8"?>
+<file path=ppt/slides/slide18.xml><?xml version="1.0" encoding="utf-8"?>
 <p:sld xmlns:a="http://schemas.openxmlformats.org/drawingml/2006/main" xmlns:r="http://schemas.openxmlformats.org/officeDocument/2006/relationships" xmlns:p="http://schemas.openxmlformats.org/presentationml/2006/main">
   <p:cSld>
     <p:spTree>
@@ -9691,7 +9956,7 @@
 </p:sld>
 </file>
 
-<file path=ppt/slides/slide18.xml><?xml version="1.0" encoding="utf-8"?>
+<file path=ppt/slides/slide19.xml><?xml version="1.0" encoding="utf-8"?>
 <p:sld xmlns:a="http://schemas.openxmlformats.org/drawingml/2006/main" xmlns:r="http://schemas.openxmlformats.org/officeDocument/2006/relationships" xmlns:p="http://schemas.openxmlformats.org/presentationml/2006/main">
   <p:cSld>
     <p:spTree>
@@ -10369,690 +10634,6 @@
     <p:extLst>
       <p:ext uri="{BB962C8B-B14F-4D97-AF65-F5344CB8AC3E}">
         <p14:creationId xmlns:p14="http://schemas.microsoft.com/office/powerpoint/2010/main" val="3585625332"/>
-      </p:ext>
-    </p:extLst>
-  </p:cSld>
-  <p:clrMapOvr>
-    <a:masterClrMapping/>
-  </p:clrMapOvr>
-</p:sld>
-</file>
-
-<file path=ppt/slides/slide19.xml><?xml version="1.0" encoding="utf-8"?>
-<p:sld xmlns:a="http://schemas.openxmlformats.org/drawingml/2006/main" xmlns:r="http://schemas.openxmlformats.org/officeDocument/2006/relationships" xmlns:p="http://schemas.openxmlformats.org/presentationml/2006/main">
-  <p:cSld>
-    <p:spTree>
-      <p:nvGrpSpPr>
-        <p:cNvPr id="1" name=""/>
-        <p:cNvGrpSpPr/>
-        <p:nvPr/>
-      </p:nvGrpSpPr>
-      <p:grpSpPr>
-        <a:xfrm>
-          <a:off x="0" y="0"/>
-          <a:ext cx="0" cy="0"/>
-          <a:chOff x="0" y="0"/>
-          <a:chExt cx="0" cy="0"/>
-        </a:xfrm>
-      </p:grpSpPr>
-      <p:pic>
-        <p:nvPicPr>
-          <p:cNvPr id="1026" name="Picture 2">
-            <a:extLst>
-              <a:ext uri="{FF2B5EF4-FFF2-40B4-BE49-F238E27FC236}">
-                <a16:creationId xmlns:a16="http://schemas.microsoft.com/office/drawing/2014/main" id="{BC6AB0F7-4EF1-4135-8D1D-96F32B0D49BC}"/>
-              </a:ext>
-            </a:extLst>
-          </p:cNvPr>
-          <p:cNvPicPr>
-            <a:picLocks noChangeAspect="1" noChangeArrowheads="1"/>
-          </p:cNvPicPr>
-          <p:nvPr/>
-        </p:nvPicPr>
-        <p:blipFill>
-          <a:blip r:embed="rId2">
-            <a:extLst>
-              <a:ext uri="{28A0092B-C50C-407E-A947-70E740481C1C}">
-                <a14:useLocalDpi xmlns:a14="http://schemas.microsoft.com/office/drawing/2010/main" val="0"/>
-              </a:ext>
-            </a:extLst>
-          </a:blip>
-          <a:srcRect/>
-          <a:stretch>
-            <a:fillRect/>
-          </a:stretch>
-        </p:blipFill>
-        <p:spPr bwMode="auto">
-          <a:xfrm>
-            <a:off x="430107" y="285207"/>
-            <a:ext cx="1625262" cy="1037459"/>
-          </a:xfrm>
-          <a:prstGeom prst="rect">
-            <a:avLst/>
-          </a:prstGeom>
-          <a:noFill/>
-          <a:extLst>
-            <a:ext uri="{909E8E84-426E-40DD-AFC4-6F175D3DCCD1}">
-              <a14:hiddenFill xmlns:a14="http://schemas.microsoft.com/office/drawing/2010/main">
-                <a:solidFill>
-                  <a:srgbClr val="FFFFFF"/>
-                </a:solidFill>
-              </a14:hiddenFill>
-            </a:ext>
-          </a:extLst>
-        </p:spPr>
-      </p:pic>
-      <p:pic>
-        <p:nvPicPr>
-          <p:cNvPr id="13" name="Imagen 12">
-            <a:extLst>
-              <a:ext uri="{FF2B5EF4-FFF2-40B4-BE49-F238E27FC236}">
-                <a16:creationId xmlns:a16="http://schemas.microsoft.com/office/drawing/2014/main" id="{0C155BD2-30E5-4F18-B5E9-293697DCFC89}"/>
-              </a:ext>
-            </a:extLst>
-          </p:cNvPr>
-          <p:cNvPicPr>
-            <a:picLocks noChangeAspect="1"/>
-          </p:cNvPicPr>
-          <p:nvPr/>
-        </p:nvPicPr>
-        <p:blipFill>
-          <a:blip r:embed="rId3"/>
-          <a:stretch>
-            <a:fillRect/>
-          </a:stretch>
-        </p:blipFill>
-        <p:spPr>
-          <a:xfrm>
-            <a:off x="10452886" y="285207"/>
-            <a:ext cx="1105443" cy="1105443"/>
-          </a:xfrm>
-          <a:prstGeom prst="rect">
-            <a:avLst/>
-          </a:prstGeom>
-        </p:spPr>
-      </p:pic>
-      <p:sp>
-        <p:nvSpPr>
-          <p:cNvPr id="14" name="Título 1">
-            <a:extLst>
-              <a:ext uri="{FF2B5EF4-FFF2-40B4-BE49-F238E27FC236}">
-                <a16:creationId xmlns:a16="http://schemas.microsoft.com/office/drawing/2014/main" id="{67DC4987-0E14-4C19-8822-98D118E9E343}"/>
-              </a:ext>
-            </a:extLst>
-          </p:cNvPr>
-          <p:cNvSpPr txBox="1">
-            <a:spLocks/>
-          </p:cNvSpPr>
-          <p:nvPr/>
-        </p:nvSpPr>
-        <p:spPr>
-          <a:xfrm>
-            <a:off x="0" y="976055"/>
-            <a:ext cx="12192000" cy="799556"/>
-          </a:xfrm>
-          <a:prstGeom prst="rect">
-            <a:avLst/>
-          </a:prstGeom>
-        </p:spPr>
-        <p:txBody>
-          <a:bodyPr vert="horz" lIns="91440" tIns="45720" rIns="91440" bIns="45720" rtlCol="0" anchor="b">
-            <a:normAutofit lnSpcReduction="10000"/>
-          </a:bodyPr>
-          <a:lstStyle>
-            <a:lvl1pPr algn="ctr" defTabSz="457200" rtl="0" eaLnBrk="1" latinLnBrk="0" hangingPunct="1">
-              <a:spcBef>
-                <a:spcPct val="0"/>
-              </a:spcBef>
-              <a:buNone/>
-              <a:defRPr sz="4800" kern="1200" cap="all">
-                <a:ln w="3175" cmpd="sng">
-                  <a:noFill/>
-                </a:ln>
-                <a:gradFill flip="none" rotWithShape="1">
-                  <a:gsLst>
-                    <a:gs pos="0">
-                      <a:schemeClr val="tx1"/>
-                    </a:gs>
-                    <a:gs pos="100000">
-                      <a:schemeClr val="tx1">
-                        <a:lumMod val="65000"/>
-                      </a:schemeClr>
-                    </a:gs>
-                  </a:gsLst>
-                  <a:lin ang="5580000" scaled="0"/>
-                  <a:tileRect/>
-                </a:gradFill>
-                <a:effectLst>
-                  <a:glow rad="38100">
-                    <a:schemeClr val="bg1">
-                      <a:lumMod val="65000"/>
-                      <a:lumOff val="35000"/>
-                      <a:alpha val="50000"/>
-                    </a:schemeClr>
-                  </a:glow>
-                  <a:outerShdw blurRad="28575" dist="31750" dir="13200000" algn="tl" rotWithShape="0">
-                    <a:srgbClr val="000000">
-                      <a:alpha val="25000"/>
-                    </a:srgbClr>
-                  </a:outerShdw>
-                </a:effectLst>
-                <a:latin typeface="+mj-lt"/>
-                <a:ea typeface="+mj-ea"/>
-                <a:cs typeface="+mj-cs"/>
-              </a:defRPr>
-            </a:lvl1pPr>
-            <a:lvl2pPr eaLnBrk="1" hangingPunct="1">
-              <a:defRPr>
-                <a:solidFill>
-                  <a:schemeClr val="tx2"/>
-                </a:solidFill>
-              </a:defRPr>
-            </a:lvl2pPr>
-            <a:lvl3pPr eaLnBrk="1" hangingPunct="1">
-              <a:defRPr>
-                <a:solidFill>
-                  <a:schemeClr val="tx2"/>
-                </a:solidFill>
-              </a:defRPr>
-            </a:lvl3pPr>
-            <a:lvl4pPr eaLnBrk="1" hangingPunct="1">
-              <a:defRPr>
-                <a:solidFill>
-                  <a:schemeClr val="tx2"/>
-                </a:solidFill>
-              </a:defRPr>
-            </a:lvl4pPr>
-            <a:lvl5pPr eaLnBrk="1" hangingPunct="1">
-              <a:defRPr>
-                <a:solidFill>
-                  <a:schemeClr val="tx2"/>
-                </a:solidFill>
-              </a:defRPr>
-            </a:lvl5pPr>
-            <a:lvl6pPr eaLnBrk="1" hangingPunct="1">
-              <a:defRPr>
-                <a:solidFill>
-                  <a:schemeClr val="tx2"/>
-                </a:solidFill>
-              </a:defRPr>
-            </a:lvl6pPr>
-            <a:lvl7pPr eaLnBrk="1" hangingPunct="1">
-              <a:defRPr>
-                <a:solidFill>
-                  <a:schemeClr val="tx2"/>
-                </a:solidFill>
-              </a:defRPr>
-            </a:lvl7pPr>
-            <a:lvl8pPr eaLnBrk="1" hangingPunct="1">
-              <a:defRPr>
-                <a:solidFill>
-                  <a:schemeClr val="tx2"/>
-                </a:solidFill>
-              </a:defRPr>
-            </a:lvl8pPr>
-            <a:lvl9pPr eaLnBrk="1" hangingPunct="1">
-              <a:defRPr>
-                <a:solidFill>
-                  <a:schemeClr val="tx2"/>
-                </a:solidFill>
-              </a:defRPr>
-            </a:lvl9pPr>
-          </a:lstStyle>
-          <a:p>
-            <a:r>
-              <a:rPr lang="es-ES" b="1" dirty="0"/>
-              <a:t>CONCLUSIONES</a:t>
-            </a:r>
-            <a:endParaRPr lang="en-US" b="1" dirty="0"/>
-          </a:p>
-        </p:txBody>
-      </p:sp>
-      <p:sp>
-        <p:nvSpPr>
-          <p:cNvPr id="5" name="Marcador de contenido 2">
-            <a:extLst>
-              <a:ext uri="{FF2B5EF4-FFF2-40B4-BE49-F238E27FC236}">
-                <a16:creationId xmlns:a16="http://schemas.microsoft.com/office/drawing/2014/main" id="{4D67BA4A-CFB4-4C36-83D1-153FBA47151B}"/>
-              </a:ext>
-            </a:extLst>
-          </p:cNvPr>
-          <p:cNvSpPr txBox="1">
-            <a:spLocks/>
-          </p:cNvSpPr>
-          <p:nvPr/>
-        </p:nvSpPr>
-        <p:spPr>
-          <a:xfrm>
-            <a:off x="1141413" y="2666999"/>
-            <a:ext cx="9905998" cy="3760178"/>
-          </a:xfrm>
-          <a:prstGeom prst="rect">
-            <a:avLst/>
-          </a:prstGeom>
-        </p:spPr>
-        <p:txBody>
-          <a:bodyPr vert="horz" lIns="91440" tIns="45720" rIns="91440" bIns="45720" rtlCol="0" anchor="t">
-            <a:normAutofit lnSpcReduction="10000"/>
-          </a:bodyPr>
-          <a:lstStyle>
-            <a:lvl1pPr marL="0" indent="0" algn="ctr" defTabSz="457200" rtl="0" eaLnBrk="1" latinLnBrk="0" hangingPunct="1">
-              <a:spcBef>
-                <a:spcPct val="20000"/>
-              </a:spcBef>
-              <a:spcAft>
-                <a:spcPts val="600"/>
-              </a:spcAft>
-              <a:buClr>
-                <a:schemeClr val="tx1"/>
-              </a:buClr>
-              <a:buSzPct val="100000"/>
-              <a:buFont typeface="Arial"/>
-              <a:buNone/>
-              <a:defRPr sz="2100" kern="1200" cap="small">
-                <a:gradFill flip="none" rotWithShape="1">
-                  <a:gsLst>
-                    <a:gs pos="0">
-                      <a:schemeClr val="tx1"/>
-                    </a:gs>
-                    <a:gs pos="100000">
-                      <a:schemeClr val="tx1">
-                        <a:lumMod val="75000"/>
-                      </a:schemeClr>
-                    </a:gs>
-                  </a:gsLst>
-                  <a:lin ang="5400000" scaled="0"/>
-                  <a:tileRect/>
-                </a:gradFill>
-                <a:effectLst>
-                  <a:glow rad="38100">
-                    <a:schemeClr val="bg1">
-                      <a:lumMod val="50000"/>
-                      <a:lumOff val="50000"/>
-                      <a:alpha val="20000"/>
-                    </a:schemeClr>
-                  </a:glow>
-                  <a:outerShdw blurRad="44450" dist="12700" dir="13860000" algn="tl" rotWithShape="0">
-                    <a:srgbClr val="000000">
-                      <a:alpha val="20000"/>
-                    </a:srgbClr>
-                  </a:outerShdw>
-                </a:effectLst>
-                <a:latin typeface="+mn-lt"/>
-                <a:ea typeface="+mn-ea"/>
-                <a:cs typeface="+mn-cs"/>
-              </a:defRPr>
-            </a:lvl1pPr>
-            <a:lvl2pPr marL="457200" indent="0" algn="ctr" defTabSz="457200" rtl="0" eaLnBrk="1" latinLnBrk="0" hangingPunct="1">
-              <a:spcBef>
-                <a:spcPct val="20000"/>
-              </a:spcBef>
-              <a:spcAft>
-                <a:spcPts val="600"/>
-              </a:spcAft>
-              <a:buClr>
-                <a:schemeClr val="tx1"/>
-              </a:buClr>
-              <a:buSzPct val="100000"/>
-              <a:buFont typeface="Arial"/>
-              <a:buNone/>
-              <a:defRPr sz="1800" kern="1200" cap="small">
-                <a:solidFill>
-                  <a:schemeClr val="tx1">
-                    <a:tint val="75000"/>
-                  </a:schemeClr>
-                </a:solidFill>
-                <a:effectLst>
-                  <a:glow rad="38100">
-                    <a:schemeClr val="bg1">
-                      <a:lumMod val="50000"/>
-                      <a:lumOff val="50000"/>
-                      <a:alpha val="20000"/>
-                    </a:schemeClr>
-                  </a:glow>
-                  <a:outerShdw blurRad="44450" dist="12700" dir="13860000" algn="tl" rotWithShape="0">
-                    <a:srgbClr val="000000">
-                      <a:alpha val="20000"/>
-                    </a:srgbClr>
-                  </a:outerShdw>
-                </a:effectLst>
-                <a:latin typeface="+mn-lt"/>
-                <a:ea typeface="+mn-ea"/>
-                <a:cs typeface="+mn-cs"/>
-              </a:defRPr>
-            </a:lvl2pPr>
-            <a:lvl3pPr marL="914400" indent="0" algn="ctr" defTabSz="457200" rtl="0" eaLnBrk="1" latinLnBrk="0" hangingPunct="1">
-              <a:spcBef>
-                <a:spcPct val="20000"/>
-              </a:spcBef>
-              <a:spcAft>
-                <a:spcPts val="600"/>
-              </a:spcAft>
-              <a:buClr>
-                <a:schemeClr val="tx1"/>
-              </a:buClr>
-              <a:buSzPct val="100000"/>
-              <a:buFont typeface="Arial"/>
-              <a:buNone/>
-              <a:defRPr sz="1600" kern="1200" cap="small">
-                <a:solidFill>
-                  <a:schemeClr val="tx1">
-                    <a:tint val="75000"/>
-                  </a:schemeClr>
-                </a:solidFill>
-                <a:effectLst>
-                  <a:glow rad="38100">
-                    <a:schemeClr val="bg1">
-                      <a:lumMod val="50000"/>
-                      <a:lumOff val="50000"/>
-                      <a:alpha val="20000"/>
-                    </a:schemeClr>
-                  </a:glow>
-                  <a:outerShdw blurRad="44450" dist="12700" dir="13860000" algn="tl" rotWithShape="0">
-                    <a:srgbClr val="000000">
-                      <a:alpha val="20000"/>
-                    </a:srgbClr>
-                  </a:outerShdw>
-                </a:effectLst>
-                <a:latin typeface="+mn-lt"/>
-                <a:ea typeface="+mn-ea"/>
-                <a:cs typeface="+mn-cs"/>
-              </a:defRPr>
-            </a:lvl3pPr>
-            <a:lvl4pPr marL="1371600" indent="0" algn="ctr" defTabSz="457200" rtl="0" eaLnBrk="1" latinLnBrk="0" hangingPunct="1">
-              <a:spcBef>
-                <a:spcPct val="20000"/>
-              </a:spcBef>
-              <a:spcAft>
-                <a:spcPts val="600"/>
-              </a:spcAft>
-              <a:buClr>
-                <a:schemeClr val="tx1"/>
-              </a:buClr>
-              <a:buSzPct val="100000"/>
-              <a:buFont typeface="Arial"/>
-              <a:buNone/>
-              <a:defRPr sz="1400" kern="1200" cap="small">
-                <a:solidFill>
-                  <a:schemeClr val="tx1">
-                    <a:tint val="75000"/>
-                  </a:schemeClr>
-                </a:solidFill>
-                <a:effectLst>
-                  <a:glow rad="38100">
-                    <a:schemeClr val="bg1">
-                      <a:lumMod val="50000"/>
-                      <a:lumOff val="50000"/>
-                      <a:alpha val="20000"/>
-                    </a:schemeClr>
-                  </a:glow>
-                  <a:outerShdw blurRad="44450" dist="12700" dir="13860000" algn="tl" rotWithShape="0">
-                    <a:srgbClr val="000000">
-                      <a:alpha val="20000"/>
-                    </a:srgbClr>
-                  </a:outerShdw>
-                </a:effectLst>
-                <a:latin typeface="+mn-lt"/>
-                <a:ea typeface="+mn-ea"/>
-                <a:cs typeface="+mn-cs"/>
-              </a:defRPr>
-            </a:lvl4pPr>
-            <a:lvl5pPr marL="1828800" indent="0" algn="ctr" defTabSz="457200" rtl="0" eaLnBrk="1" latinLnBrk="0" hangingPunct="1">
-              <a:spcBef>
-                <a:spcPct val="20000"/>
-              </a:spcBef>
-              <a:spcAft>
-                <a:spcPts val="600"/>
-              </a:spcAft>
-              <a:buClr>
-                <a:schemeClr val="tx1"/>
-              </a:buClr>
-              <a:buSzPct val="100000"/>
-              <a:buFont typeface="Arial"/>
-              <a:buNone/>
-              <a:defRPr sz="1400" kern="1200" cap="small">
-                <a:solidFill>
-                  <a:schemeClr val="tx1">
-                    <a:tint val="75000"/>
-                  </a:schemeClr>
-                </a:solidFill>
-                <a:effectLst>
-                  <a:glow rad="38100">
-                    <a:schemeClr val="bg1">
-                      <a:lumMod val="50000"/>
-                      <a:lumOff val="50000"/>
-                      <a:alpha val="20000"/>
-                    </a:schemeClr>
-                  </a:glow>
-                  <a:outerShdw blurRad="44450" dist="12700" dir="13860000" algn="tl" rotWithShape="0">
-                    <a:srgbClr val="000000">
-                      <a:alpha val="20000"/>
-                    </a:srgbClr>
-                  </a:outerShdw>
-                </a:effectLst>
-                <a:latin typeface="+mn-lt"/>
-                <a:ea typeface="+mn-ea"/>
-                <a:cs typeface="+mn-cs"/>
-              </a:defRPr>
-            </a:lvl5pPr>
-            <a:lvl6pPr marL="2286000" indent="0" algn="ctr" defTabSz="457200" rtl="0" eaLnBrk="1" latinLnBrk="0" hangingPunct="1">
-              <a:spcBef>
-                <a:spcPct val="20000"/>
-              </a:spcBef>
-              <a:spcAft>
-                <a:spcPts val="600"/>
-              </a:spcAft>
-              <a:buClr>
-                <a:schemeClr val="tx1"/>
-              </a:buClr>
-              <a:buSzPct val="100000"/>
-              <a:buFont typeface="Arial"/>
-              <a:buNone/>
-              <a:defRPr sz="1200" kern="1200" cap="small">
-                <a:solidFill>
-                  <a:schemeClr val="tx1">
-                    <a:tint val="75000"/>
-                  </a:schemeClr>
-                </a:solidFill>
-                <a:effectLst>
-                  <a:glow rad="38100">
-                    <a:schemeClr val="bg1">
-                      <a:lumMod val="50000"/>
-                      <a:lumOff val="50000"/>
-                      <a:alpha val="20000"/>
-                    </a:schemeClr>
-                  </a:glow>
-                  <a:outerShdw blurRad="44450" dist="12700" dir="13860000" algn="tl" rotWithShape="0">
-                    <a:srgbClr val="000000">
-                      <a:alpha val="20000"/>
-                    </a:srgbClr>
-                  </a:outerShdw>
-                </a:effectLst>
-                <a:latin typeface="+mn-lt"/>
-                <a:ea typeface="+mn-ea"/>
-                <a:cs typeface="+mn-cs"/>
-              </a:defRPr>
-            </a:lvl6pPr>
-            <a:lvl7pPr marL="2743200" indent="0" algn="ctr" defTabSz="457200" rtl="0" eaLnBrk="1" latinLnBrk="0" hangingPunct="1">
-              <a:spcBef>
-                <a:spcPct val="20000"/>
-              </a:spcBef>
-              <a:spcAft>
-                <a:spcPts val="600"/>
-              </a:spcAft>
-              <a:buClr>
-                <a:schemeClr val="tx1"/>
-              </a:buClr>
-              <a:buSzPct val="100000"/>
-              <a:buFont typeface="Arial"/>
-              <a:buNone/>
-              <a:defRPr sz="1200" kern="1200" cap="small">
-                <a:solidFill>
-                  <a:schemeClr val="tx1">
-                    <a:tint val="75000"/>
-                  </a:schemeClr>
-                </a:solidFill>
-                <a:effectLst>
-                  <a:glow rad="38100">
-                    <a:schemeClr val="bg1">
-                      <a:lumMod val="50000"/>
-                      <a:lumOff val="50000"/>
-                      <a:alpha val="20000"/>
-                    </a:schemeClr>
-                  </a:glow>
-                  <a:outerShdw blurRad="44450" dist="12700" dir="13860000" algn="tl" rotWithShape="0">
-                    <a:srgbClr val="000000">
-                      <a:alpha val="20000"/>
-                    </a:srgbClr>
-                  </a:outerShdw>
-                </a:effectLst>
-                <a:latin typeface="+mn-lt"/>
-                <a:ea typeface="+mn-ea"/>
-                <a:cs typeface="+mn-cs"/>
-              </a:defRPr>
-            </a:lvl7pPr>
-            <a:lvl8pPr marL="3200400" indent="0" algn="ctr" defTabSz="457200" rtl="0" eaLnBrk="1" latinLnBrk="0" hangingPunct="1">
-              <a:spcBef>
-                <a:spcPct val="20000"/>
-              </a:spcBef>
-              <a:spcAft>
-                <a:spcPts val="600"/>
-              </a:spcAft>
-              <a:buClr>
-                <a:schemeClr val="tx1"/>
-              </a:buClr>
-              <a:buSzPct val="100000"/>
-              <a:buFont typeface="Arial"/>
-              <a:buNone/>
-              <a:defRPr sz="1200" kern="1200" cap="small">
-                <a:solidFill>
-                  <a:schemeClr val="tx1">
-                    <a:tint val="75000"/>
-                  </a:schemeClr>
-                </a:solidFill>
-                <a:effectLst>
-                  <a:glow rad="38100">
-                    <a:schemeClr val="bg1">
-                      <a:lumMod val="50000"/>
-                      <a:lumOff val="50000"/>
-                      <a:alpha val="20000"/>
-                    </a:schemeClr>
-                  </a:glow>
-                  <a:outerShdw blurRad="44450" dist="12700" dir="13860000" algn="tl" rotWithShape="0">
-                    <a:srgbClr val="000000">
-                      <a:alpha val="20000"/>
-                    </a:srgbClr>
-                  </a:outerShdw>
-                </a:effectLst>
-                <a:latin typeface="+mn-lt"/>
-                <a:ea typeface="+mn-ea"/>
-                <a:cs typeface="+mn-cs"/>
-              </a:defRPr>
-            </a:lvl8pPr>
-            <a:lvl9pPr marL="3657600" indent="0" algn="ctr" defTabSz="457200" rtl="0" eaLnBrk="1" latinLnBrk="0" hangingPunct="1">
-              <a:spcBef>
-                <a:spcPct val="20000"/>
-              </a:spcBef>
-              <a:spcAft>
-                <a:spcPts val="600"/>
-              </a:spcAft>
-              <a:buClr>
-                <a:schemeClr val="tx1"/>
-              </a:buClr>
-              <a:buSzPct val="100000"/>
-              <a:buFont typeface="Arial"/>
-              <a:buNone/>
-              <a:defRPr sz="1200" kern="1200" cap="small">
-                <a:solidFill>
-                  <a:schemeClr val="tx1">
-                    <a:tint val="75000"/>
-                  </a:schemeClr>
-                </a:solidFill>
-                <a:effectLst>
-                  <a:glow rad="38100">
-                    <a:schemeClr val="bg1">
-                      <a:lumMod val="50000"/>
-                      <a:lumOff val="50000"/>
-                      <a:alpha val="20000"/>
-                    </a:schemeClr>
-                  </a:glow>
-                  <a:outerShdw blurRad="44450" dist="12700" dir="13860000" algn="tl" rotWithShape="0">
-                    <a:srgbClr val="000000">
-                      <a:alpha val="20000"/>
-                    </a:srgbClr>
-                  </a:outerShdw>
-                </a:effectLst>
-                <a:latin typeface="+mn-lt"/>
-                <a:ea typeface="+mn-ea"/>
-                <a:cs typeface="+mn-cs"/>
-              </a:defRPr>
-            </a:lvl9pPr>
-          </a:lstStyle>
-          <a:p>
-            <a:pPr marL="457200" indent="-457200" algn="just">
-              <a:buFont typeface="Arial" panose="020B0604020202020204" pitchFamily="34" charset="0"/>
-              <a:buChar char="•"/>
-            </a:pPr>
-            <a:r>
-              <a:rPr lang="es-ES" sz="3200" dirty="0"/>
-              <a:t>CAPA GRATUITA </a:t>
-            </a:r>
-            <a:r>
-              <a:rPr lang="es-ES" sz="3200" b="1" dirty="0"/>
-              <a:t>HEROKU</a:t>
-            </a:r>
-            <a:r>
-              <a:rPr lang="es-ES" sz="3200" dirty="0"/>
-              <a:t>:</a:t>
-            </a:r>
-          </a:p>
-          <a:p>
-            <a:pPr marL="914400" lvl="1" indent="-457200" algn="just">
-              <a:buFont typeface="Arial" panose="020B0604020202020204" pitchFamily="34" charset="0"/>
-              <a:buChar char="•"/>
-            </a:pPr>
-            <a:r>
-              <a:rPr lang="es-ES" sz="2900" dirty="0"/>
-              <a:t>LÍMITE DE MEMORIA: 512 MB</a:t>
-            </a:r>
-          </a:p>
-          <a:p>
-            <a:pPr marL="914400" lvl="1" indent="-457200" algn="just">
-              <a:buFont typeface="Arial" panose="020B0604020202020204" pitchFamily="34" charset="0"/>
-              <a:buChar char="•"/>
-            </a:pPr>
-            <a:r>
-              <a:rPr lang="es-ES" sz="2900" dirty="0"/>
-              <a:t>APP HIBERNA SI NO TIENE TRÁFICO WEB EN 30 MIN</a:t>
-            </a:r>
-          </a:p>
-          <a:p>
-            <a:pPr marL="914400" lvl="1" indent="-457200" algn="just">
-              <a:buFont typeface="Arial" panose="020B0604020202020204" pitchFamily="34" charset="0"/>
-              <a:buChar char="•"/>
-            </a:pPr>
-            <a:r>
-              <a:rPr lang="es-ES" sz="2900" dirty="0"/>
-              <a:t>LÍMITE CONEXIONES SIMULTÁNEAS A BASE DE DATOS POSTGRES: 20</a:t>
-            </a:r>
-            <a:endParaRPr lang="es-ES" sz="2700" dirty="0"/>
-          </a:p>
-          <a:p>
-            <a:r>
-              <a:rPr lang="es-ES" sz="3000" i="1"/>
-              <a:t>INTERESA </a:t>
-            </a:r>
-            <a:r>
-              <a:rPr lang="es-ES" sz="3000" i="1" dirty="0"/>
-              <a:t>EN PRUEBAS DE CONCEPTO, APPS QUE NECESITEN POCOS RECURSOS Y NO CRÍTICAS</a:t>
-            </a:r>
-          </a:p>
-        </p:txBody>
-      </p:sp>
-    </p:spTree>
-    <p:extLst>
-      <p:ext uri="{BB962C8B-B14F-4D97-AF65-F5344CB8AC3E}">
-        <p14:creationId xmlns:p14="http://schemas.microsoft.com/office/powerpoint/2010/main" val="3241655904"/>
       </p:ext>
     </p:extLst>
   </p:cSld>
@@ -12020,6 +11601,690 @@
           <a:p>
             <a:r>
               <a:rPr lang="es-ES" b="1" dirty="0"/>
+              <a:t>CONCLUSIONES</a:t>
+            </a:r>
+            <a:endParaRPr lang="en-US" b="1" dirty="0"/>
+          </a:p>
+        </p:txBody>
+      </p:sp>
+      <p:sp>
+        <p:nvSpPr>
+          <p:cNvPr id="5" name="Marcador de contenido 2">
+            <a:extLst>
+              <a:ext uri="{FF2B5EF4-FFF2-40B4-BE49-F238E27FC236}">
+                <a16:creationId xmlns:a16="http://schemas.microsoft.com/office/drawing/2014/main" id="{4D67BA4A-CFB4-4C36-83D1-153FBA47151B}"/>
+              </a:ext>
+            </a:extLst>
+          </p:cNvPr>
+          <p:cNvSpPr txBox="1">
+            <a:spLocks/>
+          </p:cNvSpPr>
+          <p:nvPr/>
+        </p:nvSpPr>
+        <p:spPr>
+          <a:xfrm>
+            <a:off x="1141413" y="2666999"/>
+            <a:ext cx="9905998" cy="3760178"/>
+          </a:xfrm>
+          <a:prstGeom prst="rect">
+            <a:avLst/>
+          </a:prstGeom>
+        </p:spPr>
+        <p:txBody>
+          <a:bodyPr vert="horz" lIns="91440" tIns="45720" rIns="91440" bIns="45720" rtlCol="0" anchor="t">
+            <a:normAutofit lnSpcReduction="10000"/>
+          </a:bodyPr>
+          <a:lstStyle>
+            <a:lvl1pPr marL="0" indent="0" algn="ctr" defTabSz="457200" rtl="0" eaLnBrk="1" latinLnBrk="0" hangingPunct="1">
+              <a:spcBef>
+                <a:spcPct val="20000"/>
+              </a:spcBef>
+              <a:spcAft>
+                <a:spcPts val="600"/>
+              </a:spcAft>
+              <a:buClr>
+                <a:schemeClr val="tx1"/>
+              </a:buClr>
+              <a:buSzPct val="100000"/>
+              <a:buFont typeface="Arial"/>
+              <a:buNone/>
+              <a:defRPr sz="2100" kern="1200" cap="small">
+                <a:gradFill flip="none" rotWithShape="1">
+                  <a:gsLst>
+                    <a:gs pos="0">
+                      <a:schemeClr val="tx1"/>
+                    </a:gs>
+                    <a:gs pos="100000">
+                      <a:schemeClr val="tx1">
+                        <a:lumMod val="75000"/>
+                      </a:schemeClr>
+                    </a:gs>
+                  </a:gsLst>
+                  <a:lin ang="5400000" scaled="0"/>
+                  <a:tileRect/>
+                </a:gradFill>
+                <a:effectLst>
+                  <a:glow rad="38100">
+                    <a:schemeClr val="bg1">
+                      <a:lumMod val="50000"/>
+                      <a:lumOff val="50000"/>
+                      <a:alpha val="20000"/>
+                    </a:schemeClr>
+                  </a:glow>
+                  <a:outerShdw blurRad="44450" dist="12700" dir="13860000" algn="tl" rotWithShape="0">
+                    <a:srgbClr val="000000">
+                      <a:alpha val="20000"/>
+                    </a:srgbClr>
+                  </a:outerShdw>
+                </a:effectLst>
+                <a:latin typeface="+mn-lt"/>
+                <a:ea typeface="+mn-ea"/>
+                <a:cs typeface="+mn-cs"/>
+              </a:defRPr>
+            </a:lvl1pPr>
+            <a:lvl2pPr marL="457200" indent="0" algn="ctr" defTabSz="457200" rtl="0" eaLnBrk="1" latinLnBrk="0" hangingPunct="1">
+              <a:spcBef>
+                <a:spcPct val="20000"/>
+              </a:spcBef>
+              <a:spcAft>
+                <a:spcPts val="600"/>
+              </a:spcAft>
+              <a:buClr>
+                <a:schemeClr val="tx1"/>
+              </a:buClr>
+              <a:buSzPct val="100000"/>
+              <a:buFont typeface="Arial"/>
+              <a:buNone/>
+              <a:defRPr sz="1800" kern="1200" cap="small">
+                <a:solidFill>
+                  <a:schemeClr val="tx1">
+                    <a:tint val="75000"/>
+                  </a:schemeClr>
+                </a:solidFill>
+                <a:effectLst>
+                  <a:glow rad="38100">
+                    <a:schemeClr val="bg1">
+                      <a:lumMod val="50000"/>
+                      <a:lumOff val="50000"/>
+                      <a:alpha val="20000"/>
+                    </a:schemeClr>
+                  </a:glow>
+                  <a:outerShdw blurRad="44450" dist="12700" dir="13860000" algn="tl" rotWithShape="0">
+                    <a:srgbClr val="000000">
+                      <a:alpha val="20000"/>
+                    </a:srgbClr>
+                  </a:outerShdw>
+                </a:effectLst>
+                <a:latin typeface="+mn-lt"/>
+                <a:ea typeface="+mn-ea"/>
+                <a:cs typeface="+mn-cs"/>
+              </a:defRPr>
+            </a:lvl2pPr>
+            <a:lvl3pPr marL="914400" indent="0" algn="ctr" defTabSz="457200" rtl="0" eaLnBrk="1" latinLnBrk="0" hangingPunct="1">
+              <a:spcBef>
+                <a:spcPct val="20000"/>
+              </a:spcBef>
+              <a:spcAft>
+                <a:spcPts val="600"/>
+              </a:spcAft>
+              <a:buClr>
+                <a:schemeClr val="tx1"/>
+              </a:buClr>
+              <a:buSzPct val="100000"/>
+              <a:buFont typeface="Arial"/>
+              <a:buNone/>
+              <a:defRPr sz="1600" kern="1200" cap="small">
+                <a:solidFill>
+                  <a:schemeClr val="tx1">
+                    <a:tint val="75000"/>
+                  </a:schemeClr>
+                </a:solidFill>
+                <a:effectLst>
+                  <a:glow rad="38100">
+                    <a:schemeClr val="bg1">
+                      <a:lumMod val="50000"/>
+                      <a:lumOff val="50000"/>
+                      <a:alpha val="20000"/>
+                    </a:schemeClr>
+                  </a:glow>
+                  <a:outerShdw blurRad="44450" dist="12700" dir="13860000" algn="tl" rotWithShape="0">
+                    <a:srgbClr val="000000">
+                      <a:alpha val="20000"/>
+                    </a:srgbClr>
+                  </a:outerShdw>
+                </a:effectLst>
+                <a:latin typeface="+mn-lt"/>
+                <a:ea typeface="+mn-ea"/>
+                <a:cs typeface="+mn-cs"/>
+              </a:defRPr>
+            </a:lvl3pPr>
+            <a:lvl4pPr marL="1371600" indent="0" algn="ctr" defTabSz="457200" rtl="0" eaLnBrk="1" latinLnBrk="0" hangingPunct="1">
+              <a:spcBef>
+                <a:spcPct val="20000"/>
+              </a:spcBef>
+              <a:spcAft>
+                <a:spcPts val="600"/>
+              </a:spcAft>
+              <a:buClr>
+                <a:schemeClr val="tx1"/>
+              </a:buClr>
+              <a:buSzPct val="100000"/>
+              <a:buFont typeface="Arial"/>
+              <a:buNone/>
+              <a:defRPr sz="1400" kern="1200" cap="small">
+                <a:solidFill>
+                  <a:schemeClr val="tx1">
+                    <a:tint val="75000"/>
+                  </a:schemeClr>
+                </a:solidFill>
+                <a:effectLst>
+                  <a:glow rad="38100">
+                    <a:schemeClr val="bg1">
+                      <a:lumMod val="50000"/>
+                      <a:lumOff val="50000"/>
+                      <a:alpha val="20000"/>
+                    </a:schemeClr>
+                  </a:glow>
+                  <a:outerShdw blurRad="44450" dist="12700" dir="13860000" algn="tl" rotWithShape="0">
+                    <a:srgbClr val="000000">
+                      <a:alpha val="20000"/>
+                    </a:srgbClr>
+                  </a:outerShdw>
+                </a:effectLst>
+                <a:latin typeface="+mn-lt"/>
+                <a:ea typeface="+mn-ea"/>
+                <a:cs typeface="+mn-cs"/>
+              </a:defRPr>
+            </a:lvl4pPr>
+            <a:lvl5pPr marL="1828800" indent="0" algn="ctr" defTabSz="457200" rtl="0" eaLnBrk="1" latinLnBrk="0" hangingPunct="1">
+              <a:spcBef>
+                <a:spcPct val="20000"/>
+              </a:spcBef>
+              <a:spcAft>
+                <a:spcPts val="600"/>
+              </a:spcAft>
+              <a:buClr>
+                <a:schemeClr val="tx1"/>
+              </a:buClr>
+              <a:buSzPct val="100000"/>
+              <a:buFont typeface="Arial"/>
+              <a:buNone/>
+              <a:defRPr sz="1400" kern="1200" cap="small">
+                <a:solidFill>
+                  <a:schemeClr val="tx1">
+                    <a:tint val="75000"/>
+                  </a:schemeClr>
+                </a:solidFill>
+                <a:effectLst>
+                  <a:glow rad="38100">
+                    <a:schemeClr val="bg1">
+                      <a:lumMod val="50000"/>
+                      <a:lumOff val="50000"/>
+                      <a:alpha val="20000"/>
+                    </a:schemeClr>
+                  </a:glow>
+                  <a:outerShdw blurRad="44450" dist="12700" dir="13860000" algn="tl" rotWithShape="0">
+                    <a:srgbClr val="000000">
+                      <a:alpha val="20000"/>
+                    </a:srgbClr>
+                  </a:outerShdw>
+                </a:effectLst>
+                <a:latin typeface="+mn-lt"/>
+                <a:ea typeface="+mn-ea"/>
+                <a:cs typeface="+mn-cs"/>
+              </a:defRPr>
+            </a:lvl5pPr>
+            <a:lvl6pPr marL="2286000" indent="0" algn="ctr" defTabSz="457200" rtl="0" eaLnBrk="1" latinLnBrk="0" hangingPunct="1">
+              <a:spcBef>
+                <a:spcPct val="20000"/>
+              </a:spcBef>
+              <a:spcAft>
+                <a:spcPts val="600"/>
+              </a:spcAft>
+              <a:buClr>
+                <a:schemeClr val="tx1"/>
+              </a:buClr>
+              <a:buSzPct val="100000"/>
+              <a:buFont typeface="Arial"/>
+              <a:buNone/>
+              <a:defRPr sz="1200" kern="1200" cap="small">
+                <a:solidFill>
+                  <a:schemeClr val="tx1">
+                    <a:tint val="75000"/>
+                  </a:schemeClr>
+                </a:solidFill>
+                <a:effectLst>
+                  <a:glow rad="38100">
+                    <a:schemeClr val="bg1">
+                      <a:lumMod val="50000"/>
+                      <a:lumOff val="50000"/>
+                      <a:alpha val="20000"/>
+                    </a:schemeClr>
+                  </a:glow>
+                  <a:outerShdw blurRad="44450" dist="12700" dir="13860000" algn="tl" rotWithShape="0">
+                    <a:srgbClr val="000000">
+                      <a:alpha val="20000"/>
+                    </a:srgbClr>
+                  </a:outerShdw>
+                </a:effectLst>
+                <a:latin typeface="+mn-lt"/>
+                <a:ea typeface="+mn-ea"/>
+                <a:cs typeface="+mn-cs"/>
+              </a:defRPr>
+            </a:lvl6pPr>
+            <a:lvl7pPr marL="2743200" indent="0" algn="ctr" defTabSz="457200" rtl="0" eaLnBrk="1" latinLnBrk="0" hangingPunct="1">
+              <a:spcBef>
+                <a:spcPct val="20000"/>
+              </a:spcBef>
+              <a:spcAft>
+                <a:spcPts val="600"/>
+              </a:spcAft>
+              <a:buClr>
+                <a:schemeClr val="tx1"/>
+              </a:buClr>
+              <a:buSzPct val="100000"/>
+              <a:buFont typeface="Arial"/>
+              <a:buNone/>
+              <a:defRPr sz="1200" kern="1200" cap="small">
+                <a:solidFill>
+                  <a:schemeClr val="tx1">
+                    <a:tint val="75000"/>
+                  </a:schemeClr>
+                </a:solidFill>
+                <a:effectLst>
+                  <a:glow rad="38100">
+                    <a:schemeClr val="bg1">
+                      <a:lumMod val="50000"/>
+                      <a:lumOff val="50000"/>
+                      <a:alpha val="20000"/>
+                    </a:schemeClr>
+                  </a:glow>
+                  <a:outerShdw blurRad="44450" dist="12700" dir="13860000" algn="tl" rotWithShape="0">
+                    <a:srgbClr val="000000">
+                      <a:alpha val="20000"/>
+                    </a:srgbClr>
+                  </a:outerShdw>
+                </a:effectLst>
+                <a:latin typeface="+mn-lt"/>
+                <a:ea typeface="+mn-ea"/>
+                <a:cs typeface="+mn-cs"/>
+              </a:defRPr>
+            </a:lvl7pPr>
+            <a:lvl8pPr marL="3200400" indent="0" algn="ctr" defTabSz="457200" rtl="0" eaLnBrk="1" latinLnBrk="0" hangingPunct="1">
+              <a:spcBef>
+                <a:spcPct val="20000"/>
+              </a:spcBef>
+              <a:spcAft>
+                <a:spcPts val="600"/>
+              </a:spcAft>
+              <a:buClr>
+                <a:schemeClr val="tx1"/>
+              </a:buClr>
+              <a:buSzPct val="100000"/>
+              <a:buFont typeface="Arial"/>
+              <a:buNone/>
+              <a:defRPr sz="1200" kern="1200" cap="small">
+                <a:solidFill>
+                  <a:schemeClr val="tx1">
+                    <a:tint val="75000"/>
+                  </a:schemeClr>
+                </a:solidFill>
+                <a:effectLst>
+                  <a:glow rad="38100">
+                    <a:schemeClr val="bg1">
+                      <a:lumMod val="50000"/>
+                      <a:lumOff val="50000"/>
+                      <a:alpha val="20000"/>
+                    </a:schemeClr>
+                  </a:glow>
+                  <a:outerShdw blurRad="44450" dist="12700" dir="13860000" algn="tl" rotWithShape="0">
+                    <a:srgbClr val="000000">
+                      <a:alpha val="20000"/>
+                    </a:srgbClr>
+                  </a:outerShdw>
+                </a:effectLst>
+                <a:latin typeface="+mn-lt"/>
+                <a:ea typeface="+mn-ea"/>
+                <a:cs typeface="+mn-cs"/>
+              </a:defRPr>
+            </a:lvl8pPr>
+            <a:lvl9pPr marL="3657600" indent="0" algn="ctr" defTabSz="457200" rtl="0" eaLnBrk="1" latinLnBrk="0" hangingPunct="1">
+              <a:spcBef>
+                <a:spcPct val="20000"/>
+              </a:spcBef>
+              <a:spcAft>
+                <a:spcPts val="600"/>
+              </a:spcAft>
+              <a:buClr>
+                <a:schemeClr val="tx1"/>
+              </a:buClr>
+              <a:buSzPct val="100000"/>
+              <a:buFont typeface="Arial"/>
+              <a:buNone/>
+              <a:defRPr sz="1200" kern="1200" cap="small">
+                <a:solidFill>
+                  <a:schemeClr val="tx1">
+                    <a:tint val="75000"/>
+                  </a:schemeClr>
+                </a:solidFill>
+                <a:effectLst>
+                  <a:glow rad="38100">
+                    <a:schemeClr val="bg1">
+                      <a:lumMod val="50000"/>
+                      <a:lumOff val="50000"/>
+                      <a:alpha val="20000"/>
+                    </a:schemeClr>
+                  </a:glow>
+                  <a:outerShdw blurRad="44450" dist="12700" dir="13860000" algn="tl" rotWithShape="0">
+                    <a:srgbClr val="000000">
+                      <a:alpha val="20000"/>
+                    </a:srgbClr>
+                  </a:outerShdw>
+                </a:effectLst>
+                <a:latin typeface="+mn-lt"/>
+                <a:ea typeface="+mn-ea"/>
+                <a:cs typeface="+mn-cs"/>
+              </a:defRPr>
+            </a:lvl9pPr>
+          </a:lstStyle>
+          <a:p>
+            <a:pPr marL="457200" indent="-457200" algn="just">
+              <a:buFont typeface="Arial" panose="020B0604020202020204" pitchFamily="34" charset="0"/>
+              <a:buChar char="•"/>
+            </a:pPr>
+            <a:r>
+              <a:rPr lang="es-ES" sz="3200" dirty="0"/>
+              <a:t>CAPA GRATUITA </a:t>
+            </a:r>
+            <a:r>
+              <a:rPr lang="es-ES" sz="3200" b="1" dirty="0"/>
+              <a:t>HEROKU</a:t>
+            </a:r>
+            <a:r>
+              <a:rPr lang="es-ES" sz="3200" dirty="0"/>
+              <a:t>:</a:t>
+            </a:r>
+          </a:p>
+          <a:p>
+            <a:pPr marL="914400" lvl="1" indent="-457200" algn="just">
+              <a:buFont typeface="Arial" panose="020B0604020202020204" pitchFamily="34" charset="0"/>
+              <a:buChar char="•"/>
+            </a:pPr>
+            <a:r>
+              <a:rPr lang="es-ES" sz="2900" dirty="0"/>
+              <a:t>LÍMITE DE MEMORIA: 512 MB</a:t>
+            </a:r>
+          </a:p>
+          <a:p>
+            <a:pPr marL="914400" lvl="1" indent="-457200" algn="just">
+              <a:buFont typeface="Arial" panose="020B0604020202020204" pitchFamily="34" charset="0"/>
+              <a:buChar char="•"/>
+            </a:pPr>
+            <a:r>
+              <a:rPr lang="es-ES" sz="2900" dirty="0"/>
+              <a:t>APP HIBERNA SI NO TIENE TRÁFICO WEB EN 30 MIN</a:t>
+            </a:r>
+          </a:p>
+          <a:p>
+            <a:pPr marL="914400" lvl="1" indent="-457200" algn="just">
+              <a:buFont typeface="Arial" panose="020B0604020202020204" pitchFamily="34" charset="0"/>
+              <a:buChar char="•"/>
+            </a:pPr>
+            <a:r>
+              <a:rPr lang="es-ES" sz="2900" dirty="0"/>
+              <a:t>LÍMITE CONEXIONES SIMULTÁNEAS A BASE DE DATOS POSTGRES: 20</a:t>
+            </a:r>
+            <a:endParaRPr lang="es-ES" sz="2700" dirty="0"/>
+          </a:p>
+          <a:p>
+            <a:r>
+              <a:rPr lang="es-ES" sz="3000" i="1"/>
+              <a:t>INTERESA </a:t>
+            </a:r>
+            <a:r>
+              <a:rPr lang="es-ES" sz="3000" i="1" dirty="0"/>
+              <a:t>EN PRUEBAS DE CONCEPTO, APPS QUE NECESITEN POCOS RECURSOS Y NO CRÍTICAS</a:t>
+            </a:r>
+          </a:p>
+        </p:txBody>
+      </p:sp>
+    </p:spTree>
+    <p:extLst>
+      <p:ext uri="{BB962C8B-B14F-4D97-AF65-F5344CB8AC3E}">
+        <p14:creationId xmlns:p14="http://schemas.microsoft.com/office/powerpoint/2010/main" val="3241655904"/>
+      </p:ext>
+    </p:extLst>
+  </p:cSld>
+  <p:clrMapOvr>
+    <a:masterClrMapping/>
+  </p:clrMapOvr>
+</p:sld>
+</file>
+
+<file path=ppt/slides/slide21.xml><?xml version="1.0" encoding="utf-8"?>
+<p:sld xmlns:a="http://schemas.openxmlformats.org/drawingml/2006/main" xmlns:r="http://schemas.openxmlformats.org/officeDocument/2006/relationships" xmlns:p="http://schemas.openxmlformats.org/presentationml/2006/main">
+  <p:cSld>
+    <p:spTree>
+      <p:nvGrpSpPr>
+        <p:cNvPr id="1" name=""/>
+        <p:cNvGrpSpPr/>
+        <p:nvPr/>
+      </p:nvGrpSpPr>
+      <p:grpSpPr>
+        <a:xfrm>
+          <a:off x="0" y="0"/>
+          <a:ext cx="0" cy="0"/>
+          <a:chOff x="0" y="0"/>
+          <a:chExt cx="0" cy="0"/>
+        </a:xfrm>
+      </p:grpSpPr>
+      <p:pic>
+        <p:nvPicPr>
+          <p:cNvPr id="1026" name="Picture 2">
+            <a:extLst>
+              <a:ext uri="{FF2B5EF4-FFF2-40B4-BE49-F238E27FC236}">
+                <a16:creationId xmlns:a16="http://schemas.microsoft.com/office/drawing/2014/main" id="{BC6AB0F7-4EF1-4135-8D1D-96F32B0D49BC}"/>
+              </a:ext>
+            </a:extLst>
+          </p:cNvPr>
+          <p:cNvPicPr>
+            <a:picLocks noChangeAspect="1" noChangeArrowheads="1"/>
+          </p:cNvPicPr>
+          <p:nvPr/>
+        </p:nvPicPr>
+        <p:blipFill>
+          <a:blip r:embed="rId2">
+            <a:extLst>
+              <a:ext uri="{28A0092B-C50C-407E-A947-70E740481C1C}">
+                <a14:useLocalDpi xmlns:a14="http://schemas.microsoft.com/office/drawing/2010/main" val="0"/>
+              </a:ext>
+            </a:extLst>
+          </a:blip>
+          <a:srcRect/>
+          <a:stretch>
+            <a:fillRect/>
+          </a:stretch>
+        </p:blipFill>
+        <p:spPr bwMode="auto">
+          <a:xfrm>
+            <a:off x="430107" y="285207"/>
+            <a:ext cx="1625262" cy="1037459"/>
+          </a:xfrm>
+          <a:prstGeom prst="rect">
+            <a:avLst/>
+          </a:prstGeom>
+          <a:noFill/>
+          <a:extLst>
+            <a:ext uri="{909E8E84-426E-40DD-AFC4-6F175D3DCCD1}">
+              <a14:hiddenFill xmlns:a14="http://schemas.microsoft.com/office/drawing/2010/main">
+                <a:solidFill>
+                  <a:srgbClr val="FFFFFF"/>
+                </a:solidFill>
+              </a14:hiddenFill>
+            </a:ext>
+          </a:extLst>
+        </p:spPr>
+      </p:pic>
+      <p:pic>
+        <p:nvPicPr>
+          <p:cNvPr id="13" name="Imagen 12">
+            <a:extLst>
+              <a:ext uri="{FF2B5EF4-FFF2-40B4-BE49-F238E27FC236}">
+                <a16:creationId xmlns:a16="http://schemas.microsoft.com/office/drawing/2014/main" id="{0C155BD2-30E5-4F18-B5E9-293697DCFC89}"/>
+              </a:ext>
+            </a:extLst>
+          </p:cNvPr>
+          <p:cNvPicPr>
+            <a:picLocks noChangeAspect="1"/>
+          </p:cNvPicPr>
+          <p:nvPr/>
+        </p:nvPicPr>
+        <p:blipFill>
+          <a:blip r:embed="rId3"/>
+          <a:stretch>
+            <a:fillRect/>
+          </a:stretch>
+        </p:blipFill>
+        <p:spPr>
+          <a:xfrm>
+            <a:off x="10452886" y="285207"/>
+            <a:ext cx="1105443" cy="1105443"/>
+          </a:xfrm>
+          <a:prstGeom prst="rect">
+            <a:avLst/>
+          </a:prstGeom>
+        </p:spPr>
+      </p:pic>
+      <p:sp>
+        <p:nvSpPr>
+          <p:cNvPr id="14" name="Título 1">
+            <a:extLst>
+              <a:ext uri="{FF2B5EF4-FFF2-40B4-BE49-F238E27FC236}">
+                <a16:creationId xmlns:a16="http://schemas.microsoft.com/office/drawing/2014/main" id="{67DC4987-0E14-4C19-8822-98D118E9E343}"/>
+              </a:ext>
+            </a:extLst>
+          </p:cNvPr>
+          <p:cNvSpPr txBox="1">
+            <a:spLocks/>
+          </p:cNvSpPr>
+          <p:nvPr/>
+        </p:nvSpPr>
+        <p:spPr>
+          <a:xfrm>
+            <a:off x="0" y="976055"/>
+            <a:ext cx="12192000" cy="799556"/>
+          </a:xfrm>
+          <a:prstGeom prst="rect">
+            <a:avLst/>
+          </a:prstGeom>
+        </p:spPr>
+        <p:txBody>
+          <a:bodyPr vert="horz" lIns="91440" tIns="45720" rIns="91440" bIns="45720" rtlCol="0" anchor="b">
+            <a:normAutofit lnSpcReduction="10000"/>
+          </a:bodyPr>
+          <a:lstStyle>
+            <a:lvl1pPr algn="ctr" defTabSz="457200" rtl="0" eaLnBrk="1" latinLnBrk="0" hangingPunct="1">
+              <a:spcBef>
+                <a:spcPct val="0"/>
+              </a:spcBef>
+              <a:buNone/>
+              <a:defRPr sz="4800" kern="1200" cap="all">
+                <a:ln w="3175" cmpd="sng">
+                  <a:noFill/>
+                </a:ln>
+                <a:gradFill flip="none" rotWithShape="1">
+                  <a:gsLst>
+                    <a:gs pos="0">
+                      <a:schemeClr val="tx1"/>
+                    </a:gs>
+                    <a:gs pos="100000">
+                      <a:schemeClr val="tx1">
+                        <a:lumMod val="65000"/>
+                      </a:schemeClr>
+                    </a:gs>
+                  </a:gsLst>
+                  <a:lin ang="5580000" scaled="0"/>
+                  <a:tileRect/>
+                </a:gradFill>
+                <a:effectLst>
+                  <a:glow rad="38100">
+                    <a:schemeClr val="bg1">
+                      <a:lumMod val="65000"/>
+                      <a:lumOff val="35000"/>
+                      <a:alpha val="50000"/>
+                    </a:schemeClr>
+                  </a:glow>
+                  <a:outerShdw blurRad="28575" dist="31750" dir="13200000" algn="tl" rotWithShape="0">
+                    <a:srgbClr val="000000">
+                      <a:alpha val="25000"/>
+                    </a:srgbClr>
+                  </a:outerShdw>
+                </a:effectLst>
+                <a:latin typeface="+mj-lt"/>
+                <a:ea typeface="+mj-ea"/>
+                <a:cs typeface="+mj-cs"/>
+              </a:defRPr>
+            </a:lvl1pPr>
+            <a:lvl2pPr eaLnBrk="1" hangingPunct="1">
+              <a:defRPr>
+                <a:solidFill>
+                  <a:schemeClr val="tx2"/>
+                </a:solidFill>
+              </a:defRPr>
+            </a:lvl2pPr>
+            <a:lvl3pPr eaLnBrk="1" hangingPunct="1">
+              <a:defRPr>
+                <a:solidFill>
+                  <a:schemeClr val="tx2"/>
+                </a:solidFill>
+              </a:defRPr>
+            </a:lvl3pPr>
+            <a:lvl4pPr eaLnBrk="1" hangingPunct="1">
+              <a:defRPr>
+                <a:solidFill>
+                  <a:schemeClr val="tx2"/>
+                </a:solidFill>
+              </a:defRPr>
+            </a:lvl4pPr>
+            <a:lvl5pPr eaLnBrk="1" hangingPunct="1">
+              <a:defRPr>
+                <a:solidFill>
+                  <a:schemeClr val="tx2"/>
+                </a:solidFill>
+              </a:defRPr>
+            </a:lvl5pPr>
+            <a:lvl6pPr eaLnBrk="1" hangingPunct="1">
+              <a:defRPr>
+                <a:solidFill>
+                  <a:schemeClr val="tx2"/>
+                </a:solidFill>
+              </a:defRPr>
+            </a:lvl6pPr>
+            <a:lvl7pPr eaLnBrk="1" hangingPunct="1">
+              <a:defRPr>
+                <a:solidFill>
+                  <a:schemeClr val="tx2"/>
+                </a:solidFill>
+              </a:defRPr>
+            </a:lvl7pPr>
+            <a:lvl8pPr eaLnBrk="1" hangingPunct="1">
+              <a:defRPr>
+                <a:solidFill>
+                  <a:schemeClr val="tx2"/>
+                </a:solidFill>
+              </a:defRPr>
+            </a:lvl8pPr>
+            <a:lvl9pPr eaLnBrk="1" hangingPunct="1">
+              <a:defRPr>
+                <a:solidFill>
+                  <a:schemeClr val="tx2"/>
+                </a:solidFill>
+              </a:defRPr>
+            </a:lvl9pPr>
+          </a:lstStyle>
+          <a:p>
+            <a:r>
+              <a:rPr lang="es-ES" b="1" dirty="0"/>
               <a:t>Trabajos futuros</a:t>
             </a:r>
             <a:endParaRPr lang="en-US" b="1" dirty="0"/>
@@ -12540,7 +12805,7 @@
 </p:sld>
 </file>
 
-<file path=ppt/slides/slide21.xml><?xml version="1.0" encoding="utf-8"?>
+<file path=ppt/slides/slide22.xml><?xml version="1.0" encoding="utf-8"?>
 <p:sld xmlns:a="http://schemas.openxmlformats.org/drawingml/2006/main" xmlns:r="http://schemas.openxmlformats.org/officeDocument/2006/relationships" xmlns:p="http://schemas.openxmlformats.org/presentationml/2006/main">
   <p:cSld>
     <p:spTree>
@@ -12830,7 +13095,7 @@
 </p:sld>
 </file>
 
-<file path=ppt/slides/slide22.xml><?xml version="1.0" encoding="utf-8"?>
+<file path=ppt/slides/slide23.xml><?xml version="1.0" encoding="utf-8"?>
 <p:sld xmlns:a="http://schemas.openxmlformats.org/drawingml/2006/main" xmlns:r="http://schemas.openxmlformats.org/officeDocument/2006/relationships" xmlns:p="http://schemas.openxmlformats.org/presentationml/2006/main">
   <p:cSld>
     <p:spTree>
@@ -13297,6 +13562,703 @@
           <a:p>
             <a:r>
               <a:rPr lang="es-ES" b="1" dirty="0"/>
+              <a:t>Twitter </a:t>
+            </a:r>
+            <a:r>
+              <a:rPr lang="es-ES" b="1" dirty="0" err="1"/>
+              <a:t>scheduler</a:t>
+            </a:r>
+            <a:endParaRPr lang="en-US" b="1" dirty="0"/>
+          </a:p>
+        </p:txBody>
+      </p:sp>
+      <p:sp>
+        <p:nvSpPr>
+          <p:cNvPr id="6" name="Marcador de contenido 2">
+            <a:extLst>
+              <a:ext uri="{FF2B5EF4-FFF2-40B4-BE49-F238E27FC236}">
+                <a16:creationId xmlns:a16="http://schemas.microsoft.com/office/drawing/2014/main" id="{52DD32FC-DE57-4467-A8F1-7899C46466A4}"/>
+              </a:ext>
+            </a:extLst>
+          </p:cNvPr>
+          <p:cNvSpPr txBox="1">
+            <a:spLocks/>
+          </p:cNvSpPr>
+          <p:nvPr/>
+        </p:nvSpPr>
+        <p:spPr>
+          <a:xfrm>
+            <a:off x="1141413" y="2666999"/>
+            <a:ext cx="9905998" cy="3760178"/>
+          </a:xfrm>
+          <a:prstGeom prst="rect">
+            <a:avLst/>
+          </a:prstGeom>
+        </p:spPr>
+        <p:txBody>
+          <a:bodyPr vert="horz" lIns="91440" tIns="45720" rIns="91440" bIns="45720" rtlCol="0" anchor="t">
+            <a:normAutofit lnSpcReduction="10000"/>
+          </a:bodyPr>
+          <a:lstStyle>
+            <a:lvl1pPr marL="0" indent="0" algn="ctr" defTabSz="457200" rtl="0" eaLnBrk="1" latinLnBrk="0" hangingPunct="1">
+              <a:spcBef>
+                <a:spcPct val="20000"/>
+              </a:spcBef>
+              <a:spcAft>
+                <a:spcPts val="600"/>
+              </a:spcAft>
+              <a:buClr>
+                <a:schemeClr val="tx1"/>
+              </a:buClr>
+              <a:buSzPct val="100000"/>
+              <a:buFont typeface="Arial"/>
+              <a:buNone/>
+              <a:defRPr sz="2100" kern="1200" cap="small">
+                <a:gradFill flip="none" rotWithShape="1">
+                  <a:gsLst>
+                    <a:gs pos="0">
+                      <a:schemeClr val="tx1"/>
+                    </a:gs>
+                    <a:gs pos="100000">
+                      <a:schemeClr val="tx1">
+                        <a:lumMod val="75000"/>
+                      </a:schemeClr>
+                    </a:gs>
+                  </a:gsLst>
+                  <a:lin ang="5400000" scaled="0"/>
+                  <a:tileRect/>
+                </a:gradFill>
+                <a:effectLst>
+                  <a:glow rad="38100">
+                    <a:schemeClr val="bg1">
+                      <a:lumMod val="50000"/>
+                      <a:lumOff val="50000"/>
+                      <a:alpha val="20000"/>
+                    </a:schemeClr>
+                  </a:glow>
+                  <a:outerShdw blurRad="44450" dist="12700" dir="13860000" algn="tl" rotWithShape="0">
+                    <a:srgbClr val="000000">
+                      <a:alpha val="20000"/>
+                    </a:srgbClr>
+                  </a:outerShdw>
+                </a:effectLst>
+                <a:latin typeface="+mn-lt"/>
+                <a:ea typeface="+mn-ea"/>
+                <a:cs typeface="+mn-cs"/>
+              </a:defRPr>
+            </a:lvl1pPr>
+            <a:lvl2pPr marL="457200" indent="0" algn="ctr" defTabSz="457200" rtl="0" eaLnBrk="1" latinLnBrk="0" hangingPunct="1">
+              <a:spcBef>
+                <a:spcPct val="20000"/>
+              </a:spcBef>
+              <a:spcAft>
+                <a:spcPts val="600"/>
+              </a:spcAft>
+              <a:buClr>
+                <a:schemeClr val="tx1"/>
+              </a:buClr>
+              <a:buSzPct val="100000"/>
+              <a:buFont typeface="Arial"/>
+              <a:buNone/>
+              <a:defRPr sz="1800" kern="1200" cap="small">
+                <a:solidFill>
+                  <a:schemeClr val="tx1">
+                    <a:tint val="75000"/>
+                  </a:schemeClr>
+                </a:solidFill>
+                <a:effectLst>
+                  <a:glow rad="38100">
+                    <a:schemeClr val="bg1">
+                      <a:lumMod val="50000"/>
+                      <a:lumOff val="50000"/>
+                      <a:alpha val="20000"/>
+                    </a:schemeClr>
+                  </a:glow>
+                  <a:outerShdw blurRad="44450" dist="12700" dir="13860000" algn="tl" rotWithShape="0">
+                    <a:srgbClr val="000000">
+                      <a:alpha val="20000"/>
+                    </a:srgbClr>
+                  </a:outerShdw>
+                </a:effectLst>
+                <a:latin typeface="+mn-lt"/>
+                <a:ea typeface="+mn-ea"/>
+                <a:cs typeface="+mn-cs"/>
+              </a:defRPr>
+            </a:lvl2pPr>
+            <a:lvl3pPr marL="914400" indent="0" algn="ctr" defTabSz="457200" rtl="0" eaLnBrk="1" latinLnBrk="0" hangingPunct="1">
+              <a:spcBef>
+                <a:spcPct val="20000"/>
+              </a:spcBef>
+              <a:spcAft>
+                <a:spcPts val="600"/>
+              </a:spcAft>
+              <a:buClr>
+                <a:schemeClr val="tx1"/>
+              </a:buClr>
+              <a:buSzPct val="100000"/>
+              <a:buFont typeface="Arial"/>
+              <a:buNone/>
+              <a:defRPr sz="1600" kern="1200" cap="small">
+                <a:solidFill>
+                  <a:schemeClr val="tx1">
+                    <a:tint val="75000"/>
+                  </a:schemeClr>
+                </a:solidFill>
+                <a:effectLst>
+                  <a:glow rad="38100">
+                    <a:schemeClr val="bg1">
+                      <a:lumMod val="50000"/>
+                      <a:lumOff val="50000"/>
+                      <a:alpha val="20000"/>
+                    </a:schemeClr>
+                  </a:glow>
+                  <a:outerShdw blurRad="44450" dist="12700" dir="13860000" algn="tl" rotWithShape="0">
+                    <a:srgbClr val="000000">
+                      <a:alpha val="20000"/>
+                    </a:srgbClr>
+                  </a:outerShdw>
+                </a:effectLst>
+                <a:latin typeface="+mn-lt"/>
+                <a:ea typeface="+mn-ea"/>
+                <a:cs typeface="+mn-cs"/>
+              </a:defRPr>
+            </a:lvl3pPr>
+            <a:lvl4pPr marL="1371600" indent="0" algn="ctr" defTabSz="457200" rtl="0" eaLnBrk="1" latinLnBrk="0" hangingPunct="1">
+              <a:spcBef>
+                <a:spcPct val="20000"/>
+              </a:spcBef>
+              <a:spcAft>
+                <a:spcPts val="600"/>
+              </a:spcAft>
+              <a:buClr>
+                <a:schemeClr val="tx1"/>
+              </a:buClr>
+              <a:buSzPct val="100000"/>
+              <a:buFont typeface="Arial"/>
+              <a:buNone/>
+              <a:defRPr sz="1400" kern="1200" cap="small">
+                <a:solidFill>
+                  <a:schemeClr val="tx1">
+                    <a:tint val="75000"/>
+                  </a:schemeClr>
+                </a:solidFill>
+                <a:effectLst>
+                  <a:glow rad="38100">
+                    <a:schemeClr val="bg1">
+                      <a:lumMod val="50000"/>
+                      <a:lumOff val="50000"/>
+                      <a:alpha val="20000"/>
+                    </a:schemeClr>
+                  </a:glow>
+                  <a:outerShdw blurRad="44450" dist="12700" dir="13860000" algn="tl" rotWithShape="0">
+                    <a:srgbClr val="000000">
+                      <a:alpha val="20000"/>
+                    </a:srgbClr>
+                  </a:outerShdw>
+                </a:effectLst>
+                <a:latin typeface="+mn-lt"/>
+                <a:ea typeface="+mn-ea"/>
+                <a:cs typeface="+mn-cs"/>
+              </a:defRPr>
+            </a:lvl4pPr>
+            <a:lvl5pPr marL="1828800" indent="0" algn="ctr" defTabSz="457200" rtl="0" eaLnBrk="1" latinLnBrk="0" hangingPunct="1">
+              <a:spcBef>
+                <a:spcPct val="20000"/>
+              </a:spcBef>
+              <a:spcAft>
+                <a:spcPts val="600"/>
+              </a:spcAft>
+              <a:buClr>
+                <a:schemeClr val="tx1"/>
+              </a:buClr>
+              <a:buSzPct val="100000"/>
+              <a:buFont typeface="Arial"/>
+              <a:buNone/>
+              <a:defRPr sz="1400" kern="1200" cap="small">
+                <a:solidFill>
+                  <a:schemeClr val="tx1">
+                    <a:tint val="75000"/>
+                  </a:schemeClr>
+                </a:solidFill>
+                <a:effectLst>
+                  <a:glow rad="38100">
+                    <a:schemeClr val="bg1">
+                      <a:lumMod val="50000"/>
+                      <a:lumOff val="50000"/>
+                      <a:alpha val="20000"/>
+                    </a:schemeClr>
+                  </a:glow>
+                  <a:outerShdw blurRad="44450" dist="12700" dir="13860000" algn="tl" rotWithShape="0">
+                    <a:srgbClr val="000000">
+                      <a:alpha val="20000"/>
+                    </a:srgbClr>
+                  </a:outerShdw>
+                </a:effectLst>
+                <a:latin typeface="+mn-lt"/>
+                <a:ea typeface="+mn-ea"/>
+                <a:cs typeface="+mn-cs"/>
+              </a:defRPr>
+            </a:lvl5pPr>
+            <a:lvl6pPr marL="2286000" indent="0" algn="ctr" defTabSz="457200" rtl="0" eaLnBrk="1" latinLnBrk="0" hangingPunct="1">
+              <a:spcBef>
+                <a:spcPct val="20000"/>
+              </a:spcBef>
+              <a:spcAft>
+                <a:spcPts val="600"/>
+              </a:spcAft>
+              <a:buClr>
+                <a:schemeClr val="tx1"/>
+              </a:buClr>
+              <a:buSzPct val="100000"/>
+              <a:buFont typeface="Arial"/>
+              <a:buNone/>
+              <a:defRPr sz="1200" kern="1200" cap="small">
+                <a:solidFill>
+                  <a:schemeClr val="tx1">
+                    <a:tint val="75000"/>
+                  </a:schemeClr>
+                </a:solidFill>
+                <a:effectLst>
+                  <a:glow rad="38100">
+                    <a:schemeClr val="bg1">
+                      <a:lumMod val="50000"/>
+                      <a:lumOff val="50000"/>
+                      <a:alpha val="20000"/>
+                    </a:schemeClr>
+                  </a:glow>
+                  <a:outerShdw blurRad="44450" dist="12700" dir="13860000" algn="tl" rotWithShape="0">
+                    <a:srgbClr val="000000">
+                      <a:alpha val="20000"/>
+                    </a:srgbClr>
+                  </a:outerShdw>
+                </a:effectLst>
+                <a:latin typeface="+mn-lt"/>
+                <a:ea typeface="+mn-ea"/>
+                <a:cs typeface="+mn-cs"/>
+              </a:defRPr>
+            </a:lvl6pPr>
+            <a:lvl7pPr marL="2743200" indent="0" algn="ctr" defTabSz="457200" rtl="0" eaLnBrk="1" latinLnBrk="0" hangingPunct="1">
+              <a:spcBef>
+                <a:spcPct val="20000"/>
+              </a:spcBef>
+              <a:spcAft>
+                <a:spcPts val="600"/>
+              </a:spcAft>
+              <a:buClr>
+                <a:schemeClr val="tx1"/>
+              </a:buClr>
+              <a:buSzPct val="100000"/>
+              <a:buFont typeface="Arial"/>
+              <a:buNone/>
+              <a:defRPr sz="1200" kern="1200" cap="small">
+                <a:solidFill>
+                  <a:schemeClr val="tx1">
+                    <a:tint val="75000"/>
+                  </a:schemeClr>
+                </a:solidFill>
+                <a:effectLst>
+                  <a:glow rad="38100">
+                    <a:schemeClr val="bg1">
+                      <a:lumMod val="50000"/>
+                      <a:lumOff val="50000"/>
+                      <a:alpha val="20000"/>
+                    </a:schemeClr>
+                  </a:glow>
+                  <a:outerShdw blurRad="44450" dist="12700" dir="13860000" algn="tl" rotWithShape="0">
+                    <a:srgbClr val="000000">
+                      <a:alpha val="20000"/>
+                    </a:srgbClr>
+                  </a:outerShdw>
+                </a:effectLst>
+                <a:latin typeface="+mn-lt"/>
+                <a:ea typeface="+mn-ea"/>
+                <a:cs typeface="+mn-cs"/>
+              </a:defRPr>
+            </a:lvl7pPr>
+            <a:lvl8pPr marL="3200400" indent="0" algn="ctr" defTabSz="457200" rtl="0" eaLnBrk="1" latinLnBrk="0" hangingPunct="1">
+              <a:spcBef>
+                <a:spcPct val="20000"/>
+              </a:spcBef>
+              <a:spcAft>
+                <a:spcPts val="600"/>
+              </a:spcAft>
+              <a:buClr>
+                <a:schemeClr val="tx1"/>
+              </a:buClr>
+              <a:buSzPct val="100000"/>
+              <a:buFont typeface="Arial"/>
+              <a:buNone/>
+              <a:defRPr sz="1200" kern="1200" cap="small">
+                <a:solidFill>
+                  <a:schemeClr val="tx1">
+                    <a:tint val="75000"/>
+                  </a:schemeClr>
+                </a:solidFill>
+                <a:effectLst>
+                  <a:glow rad="38100">
+                    <a:schemeClr val="bg1">
+                      <a:lumMod val="50000"/>
+                      <a:lumOff val="50000"/>
+                      <a:alpha val="20000"/>
+                    </a:schemeClr>
+                  </a:glow>
+                  <a:outerShdw blurRad="44450" dist="12700" dir="13860000" algn="tl" rotWithShape="0">
+                    <a:srgbClr val="000000">
+                      <a:alpha val="20000"/>
+                    </a:srgbClr>
+                  </a:outerShdw>
+                </a:effectLst>
+                <a:latin typeface="+mn-lt"/>
+                <a:ea typeface="+mn-ea"/>
+                <a:cs typeface="+mn-cs"/>
+              </a:defRPr>
+            </a:lvl8pPr>
+            <a:lvl9pPr marL="3657600" indent="0" algn="ctr" defTabSz="457200" rtl="0" eaLnBrk="1" latinLnBrk="0" hangingPunct="1">
+              <a:spcBef>
+                <a:spcPct val="20000"/>
+              </a:spcBef>
+              <a:spcAft>
+                <a:spcPts val="600"/>
+              </a:spcAft>
+              <a:buClr>
+                <a:schemeClr val="tx1"/>
+              </a:buClr>
+              <a:buSzPct val="100000"/>
+              <a:buFont typeface="Arial"/>
+              <a:buNone/>
+              <a:defRPr sz="1200" kern="1200" cap="small">
+                <a:solidFill>
+                  <a:schemeClr val="tx1">
+                    <a:tint val="75000"/>
+                  </a:schemeClr>
+                </a:solidFill>
+                <a:effectLst>
+                  <a:glow rad="38100">
+                    <a:schemeClr val="bg1">
+                      <a:lumMod val="50000"/>
+                      <a:lumOff val="50000"/>
+                      <a:alpha val="20000"/>
+                    </a:schemeClr>
+                  </a:glow>
+                  <a:outerShdw blurRad="44450" dist="12700" dir="13860000" algn="tl" rotWithShape="0">
+                    <a:srgbClr val="000000">
+                      <a:alpha val="20000"/>
+                    </a:srgbClr>
+                  </a:outerShdw>
+                </a:effectLst>
+                <a:latin typeface="+mn-lt"/>
+                <a:ea typeface="+mn-ea"/>
+                <a:cs typeface="+mn-cs"/>
+              </a:defRPr>
+            </a:lvl9pPr>
+          </a:lstStyle>
+          <a:p>
+            <a:r>
+              <a:rPr lang="es-ES" sz="3200" i="1" u="sng" dirty="0"/>
+              <a:t>OBJETIVO:</a:t>
+            </a:r>
+            <a:endParaRPr lang="es-ES" sz="3200" i="1" dirty="0"/>
+          </a:p>
+          <a:p>
+            <a:r>
+              <a:rPr lang="es-ES" sz="3200" dirty="0"/>
+              <a:t>APLICAR LAS TÉCNICAS DE </a:t>
+            </a:r>
+            <a:r>
+              <a:rPr lang="es-ES" sz="3200" b="1" dirty="0"/>
+              <a:t>FEATURE TOGGLES</a:t>
+            </a:r>
+            <a:r>
+              <a:rPr lang="es-ES" sz="3200" dirty="0"/>
+              <a:t> Y </a:t>
+            </a:r>
+            <a:r>
+              <a:rPr lang="es-ES" sz="3200" b="1" dirty="0"/>
+              <a:t>BRANCH BY ABSTRACTION</a:t>
+            </a:r>
+            <a:r>
+              <a:rPr lang="es-ES" sz="3200" dirty="0"/>
+              <a:t> EN UN PROYECTO </a:t>
+            </a:r>
+            <a:r>
+              <a:rPr lang="es-ES" sz="3200" i="1" dirty="0"/>
+              <a:t>JAVA</a:t>
+            </a:r>
+            <a:r>
+              <a:rPr lang="es-ES" sz="3200" dirty="0"/>
+              <a:t> CON </a:t>
+            </a:r>
+            <a:r>
+              <a:rPr lang="es-ES" sz="3200" b="1" dirty="0"/>
+              <a:t>TRUNK-BASED DEVELOPMENT</a:t>
+            </a:r>
+            <a:r>
+              <a:rPr lang="es-ES" sz="3200" dirty="0"/>
+              <a:t>.</a:t>
+            </a:r>
+          </a:p>
+          <a:p>
+            <a:r>
+              <a:rPr lang="es-ES" sz="3200" dirty="0"/>
+              <a:t>EL PROYECTO ESTÁ DESARROLLADO SIGUIENDO UNA ARQUITECTURA </a:t>
+            </a:r>
+            <a:r>
+              <a:rPr lang="es-ES" sz="3200" b="1" dirty="0"/>
+              <a:t>HEXAGONAL</a:t>
+            </a:r>
+            <a:r>
+              <a:rPr lang="es-ES" sz="3200" dirty="0"/>
+              <a:t> Y SE HA APLICADO </a:t>
+            </a:r>
+            <a:r>
+              <a:rPr lang="es-ES" sz="3200" b="1" dirty="0"/>
+              <a:t>DOMAIN DRIVEN DESIGN</a:t>
+            </a:r>
+            <a:r>
+              <a:rPr lang="es-ES" sz="3200" dirty="0"/>
+              <a:t> (DDD).</a:t>
+            </a:r>
+            <a:endParaRPr lang="en-US" dirty="0"/>
+          </a:p>
+        </p:txBody>
+      </p:sp>
+    </p:spTree>
+    <p:extLst>
+      <p:ext uri="{BB962C8B-B14F-4D97-AF65-F5344CB8AC3E}">
+        <p14:creationId xmlns:p14="http://schemas.microsoft.com/office/powerpoint/2010/main" val="2834266089"/>
+      </p:ext>
+    </p:extLst>
+  </p:cSld>
+  <p:clrMapOvr>
+    <a:masterClrMapping/>
+  </p:clrMapOvr>
+</p:sld>
+</file>
+
+<file path=ppt/slides/slide4.xml><?xml version="1.0" encoding="utf-8"?>
+<p:sld xmlns:a="http://schemas.openxmlformats.org/drawingml/2006/main" xmlns:r="http://schemas.openxmlformats.org/officeDocument/2006/relationships" xmlns:p="http://schemas.openxmlformats.org/presentationml/2006/main">
+  <p:cSld>
+    <p:spTree>
+      <p:nvGrpSpPr>
+        <p:cNvPr id="1" name=""/>
+        <p:cNvGrpSpPr/>
+        <p:nvPr/>
+      </p:nvGrpSpPr>
+      <p:grpSpPr>
+        <a:xfrm>
+          <a:off x="0" y="0"/>
+          <a:ext cx="0" cy="0"/>
+          <a:chOff x="0" y="0"/>
+          <a:chExt cx="0" cy="0"/>
+        </a:xfrm>
+      </p:grpSpPr>
+      <p:pic>
+        <p:nvPicPr>
+          <p:cNvPr id="1026" name="Picture 2">
+            <a:extLst>
+              <a:ext uri="{FF2B5EF4-FFF2-40B4-BE49-F238E27FC236}">
+                <a16:creationId xmlns:a16="http://schemas.microsoft.com/office/drawing/2014/main" id="{BC6AB0F7-4EF1-4135-8D1D-96F32B0D49BC}"/>
+              </a:ext>
+            </a:extLst>
+          </p:cNvPr>
+          <p:cNvPicPr>
+            <a:picLocks noChangeAspect="1" noChangeArrowheads="1"/>
+          </p:cNvPicPr>
+          <p:nvPr/>
+        </p:nvPicPr>
+        <p:blipFill>
+          <a:blip r:embed="rId2">
+            <a:extLst>
+              <a:ext uri="{28A0092B-C50C-407E-A947-70E740481C1C}">
+                <a14:useLocalDpi xmlns:a14="http://schemas.microsoft.com/office/drawing/2010/main" val="0"/>
+              </a:ext>
+            </a:extLst>
+          </a:blip>
+          <a:srcRect/>
+          <a:stretch>
+            <a:fillRect/>
+          </a:stretch>
+        </p:blipFill>
+        <p:spPr bwMode="auto">
+          <a:xfrm>
+            <a:off x="430107" y="285207"/>
+            <a:ext cx="1625262" cy="1037459"/>
+          </a:xfrm>
+          <a:prstGeom prst="rect">
+            <a:avLst/>
+          </a:prstGeom>
+          <a:noFill/>
+          <a:extLst>
+            <a:ext uri="{909E8E84-426E-40DD-AFC4-6F175D3DCCD1}">
+              <a14:hiddenFill xmlns:a14="http://schemas.microsoft.com/office/drawing/2010/main">
+                <a:solidFill>
+                  <a:srgbClr val="FFFFFF"/>
+                </a:solidFill>
+              </a14:hiddenFill>
+            </a:ext>
+          </a:extLst>
+        </p:spPr>
+      </p:pic>
+      <p:pic>
+        <p:nvPicPr>
+          <p:cNvPr id="13" name="Imagen 12">
+            <a:extLst>
+              <a:ext uri="{FF2B5EF4-FFF2-40B4-BE49-F238E27FC236}">
+                <a16:creationId xmlns:a16="http://schemas.microsoft.com/office/drawing/2014/main" id="{0C155BD2-30E5-4F18-B5E9-293697DCFC89}"/>
+              </a:ext>
+            </a:extLst>
+          </p:cNvPr>
+          <p:cNvPicPr>
+            <a:picLocks noChangeAspect="1"/>
+          </p:cNvPicPr>
+          <p:nvPr/>
+        </p:nvPicPr>
+        <p:blipFill>
+          <a:blip r:embed="rId3"/>
+          <a:stretch>
+            <a:fillRect/>
+          </a:stretch>
+        </p:blipFill>
+        <p:spPr>
+          <a:xfrm>
+            <a:off x="10452886" y="285207"/>
+            <a:ext cx="1105443" cy="1105443"/>
+          </a:xfrm>
+          <a:prstGeom prst="rect">
+            <a:avLst/>
+          </a:prstGeom>
+        </p:spPr>
+      </p:pic>
+      <p:sp>
+        <p:nvSpPr>
+          <p:cNvPr id="14" name="Título 1">
+            <a:extLst>
+              <a:ext uri="{FF2B5EF4-FFF2-40B4-BE49-F238E27FC236}">
+                <a16:creationId xmlns:a16="http://schemas.microsoft.com/office/drawing/2014/main" id="{67DC4987-0E14-4C19-8822-98D118E9E343}"/>
+              </a:ext>
+            </a:extLst>
+          </p:cNvPr>
+          <p:cNvSpPr txBox="1">
+            <a:spLocks/>
+          </p:cNvSpPr>
+          <p:nvPr/>
+        </p:nvSpPr>
+        <p:spPr>
+          <a:xfrm>
+            <a:off x="0" y="976055"/>
+            <a:ext cx="12192000" cy="799556"/>
+          </a:xfrm>
+          <a:prstGeom prst="rect">
+            <a:avLst/>
+          </a:prstGeom>
+        </p:spPr>
+        <p:txBody>
+          <a:bodyPr vert="horz" lIns="91440" tIns="45720" rIns="91440" bIns="45720" rtlCol="0" anchor="b">
+            <a:normAutofit lnSpcReduction="10000"/>
+          </a:bodyPr>
+          <a:lstStyle>
+            <a:lvl1pPr algn="ctr" defTabSz="457200" rtl="0" eaLnBrk="1" latinLnBrk="0" hangingPunct="1">
+              <a:spcBef>
+                <a:spcPct val="0"/>
+              </a:spcBef>
+              <a:buNone/>
+              <a:defRPr sz="4800" kern="1200" cap="all">
+                <a:ln w="3175" cmpd="sng">
+                  <a:noFill/>
+                </a:ln>
+                <a:gradFill flip="none" rotWithShape="1">
+                  <a:gsLst>
+                    <a:gs pos="0">
+                      <a:schemeClr val="tx1"/>
+                    </a:gs>
+                    <a:gs pos="100000">
+                      <a:schemeClr val="tx1">
+                        <a:lumMod val="65000"/>
+                      </a:schemeClr>
+                    </a:gs>
+                  </a:gsLst>
+                  <a:lin ang="5580000" scaled="0"/>
+                  <a:tileRect/>
+                </a:gradFill>
+                <a:effectLst>
+                  <a:glow rad="38100">
+                    <a:schemeClr val="bg1">
+                      <a:lumMod val="65000"/>
+                      <a:lumOff val="35000"/>
+                      <a:alpha val="50000"/>
+                    </a:schemeClr>
+                  </a:glow>
+                  <a:outerShdw blurRad="28575" dist="31750" dir="13200000" algn="tl" rotWithShape="0">
+                    <a:srgbClr val="000000">
+                      <a:alpha val="25000"/>
+                    </a:srgbClr>
+                  </a:outerShdw>
+                </a:effectLst>
+                <a:latin typeface="+mj-lt"/>
+                <a:ea typeface="+mj-ea"/>
+                <a:cs typeface="+mj-cs"/>
+              </a:defRPr>
+            </a:lvl1pPr>
+            <a:lvl2pPr eaLnBrk="1" hangingPunct="1">
+              <a:defRPr>
+                <a:solidFill>
+                  <a:schemeClr val="tx2"/>
+                </a:solidFill>
+              </a:defRPr>
+            </a:lvl2pPr>
+            <a:lvl3pPr eaLnBrk="1" hangingPunct="1">
+              <a:defRPr>
+                <a:solidFill>
+                  <a:schemeClr val="tx2"/>
+                </a:solidFill>
+              </a:defRPr>
+            </a:lvl3pPr>
+            <a:lvl4pPr eaLnBrk="1" hangingPunct="1">
+              <a:defRPr>
+                <a:solidFill>
+                  <a:schemeClr val="tx2"/>
+                </a:solidFill>
+              </a:defRPr>
+            </a:lvl4pPr>
+            <a:lvl5pPr eaLnBrk="1" hangingPunct="1">
+              <a:defRPr>
+                <a:solidFill>
+                  <a:schemeClr val="tx2"/>
+                </a:solidFill>
+              </a:defRPr>
+            </a:lvl5pPr>
+            <a:lvl6pPr eaLnBrk="1" hangingPunct="1">
+              <a:defRPr>
+                <a:solidFill>
+                  <a:schemeClr val="tx2"/>
+                </a:solidFill>
+              </a:defRPr>
+            </a:lvl6pPr>
+            <a:lvl7pPr eaLnBrk="1" hangingPunct="1">
+              <a:defRPr>
+                <a:solidFill>
+                  <a:schemeClr val="tx2"/>
+                </a:solidFill>
+              </a:defRPr>
+            </a:lvl7pPr>
+            <a:lvl8pPr eaLnBrk="1" hangingPunct="1">
+              <a:defRPr>
+                <a:solidFill>
+                  <a:schemeClr val="tx2"/>
+                </a:solidFill>
+              </a:defRPr>
+            </a:lvl8pPr>
+            <a:lvl9pPr eaLnBrk="1" hangingPunct="1">
+              <a:defRPr>
+                <a:solidFill>
+                  <a:schemeClr val="tx2"/>
+                </a:solidFill>
+              </a:defRPr>
+            </a:lvl9pPr>
+          </a:lstStyle>
+          <a:p>
+            <a:r>
+              <a:rPr lang="es-ES" b="1" dirty="0"/>
               <a:t>Fases de desarrollo</a:t>
             </a:r>
             <a:endParaRPr lang="en-US" b="1" dirty="0"/>
@@ -13346,7 +14308,7 @@
 </p:sld>
 </file>
 
-<file path=ppt/slides/slide4.xml><?xml version="1.0" encoding="utf-8"?>
+<file path=ppt/slides/slide5.xml><?xml version="1.0" encoding="utf-8"?>
 <p:sld xmlns:a="http://schemas.openxmlformats.org/drawingml/2006/main" xmlns:r="http://schemas.openxmlformats.org/officeDocument/2006/relationships" xmlns:p="http://schemas.openxmlformats.org/presentationml/2006/main">
   <p:cSld>
     <p:spTree>
@@ -13785,7 +14747,7 @@
 </p:sld>
 </file>
 
-<file path=ppt/slides/slide5.xml><?xml version="1.0" encoding="utf-8"?>
+<file path=ppt/slides/slide6.xml><?xml version="1.0" encoding="utf-8"?>
 <p:sld xmlns:a="http://schemas.openxmlformats.org/drawingml/2006/main" xmlns:r="http://schemas.openxmlformats.org/officeDocument/2006/relationships" xmlns:p="http://schemas.openxmlformats.org/presentationml/2006/main">
   <p:cSld>
     <p:spTree>
@@ -14058,7 +15020,7 @@
 </p:sld>
 </file>
 
-<file path=ppt/slides/slide6.xml><?xml version="1.0" encoding="utf-8"?>
+<file path=ppt/slides/slide7.xml><?xml version="1.0" encoding="utf-8"?>
 <p:sld xmlns:a="http://schemas.openxmlformats.org/drawingml/2006/main" xmlns:r="http://schemas.openxmlformats.org/officeDocument/2006/relationships" xmlns:p="http://schemas.openxmlformats.org/presentationml/2006/main">
   <p:cSld>
     <p:spTree>
@@ -14348,7 +15310,7 @@
 </p:sld>
 </file>
 
-<file path=ppt/slides/slide7.xml><?xml version="1.0" encoding="utf-8"?>
+<file path=ppt/slides/slide8.xml><?xml version="1.0" encoding="utf-8"?>
 <p:sld xmlns:a="http://schemas.openxmlformats.org/drawingml/2006/main" xmlns:r="http://schemas.openxmlformats.org/officeDocument/2006/relationships" xmlns:p="http://schemas.openxmlformats.org/presentationml/2006/main">
   <p:cSld>
     <p:spTree>
@@ -14621,7 +15583,7 @@
 </p:sld>
 </file>
 
-<file path=ppt/slides/slide8.xml><?xml version="1.0" encoding="utf-8"?>
+<file path=ppt/slides/slide9.xml><?xml version="1.0" encoding="utf-8"?>
 <p:sld xmlns:a="http://schemas.openxmlformats.org/drawingml/2006/main" xmlns:r="http://schemas.openxmlformats.org/officeDocument/2006/relationships" xmlns:p="http://schemas.openxmlformats.org/presentationml/2006/main">
   <p:cSld>
     <p:spTree>
@@ -14889,270 +15851,6 @@
     <p:extLst>
       <p:ext uri="{BB962C8B-B14F-4D97-AF65-F5344CB8AC3E}">
         <p14:creationId xmlns:p14="http://schemas.microsoft.com/office/powerpoint/2010/main" val="2109553925"/>
-      </p:ext>
-    </p:extLst>
-  </p:cSld>
-  <p:clrMapOvr>
-    <a:masterClrMapping/>
-  </p:clrMapOvr>
-</p:sld>
-</file>
-
-<file path=ppt/slides/slide9.xml><?xml version="1.0" encoding="utf-8"?>
-<p:sld xmlns:a="http://schemas.openxmlformats.org/drawingml/2006/main" xmlns:r="http://schemas.openxmlformats.org/officeDocument/2006/relationships" xmlns:p="http://schemas.openxmlformats.org/presentationml/2006/main">
-  <p:cSld>
-    <p:spTree>
-      <p:nvGrpSpPr>
-        <p:cNvPr id="1" name=""/>
-        <p:cNvGrpSpPr/>
-        <p:nvPr/>
-      </p:nvGrpSpPr>
-      <p:grpSpPr>
-        <a:xfrm>
-          <a:off x="0" y="0"/>
-          <a:ext cx="0" cy="0"/>
-          <a:chOff x="0" y="0"/>
-          <a:chExt cx="0" cy="0"/>
-        </a:xfrm>
-      </p:grpSpPr>
-      <p:pic>
-        <p:nvPicPr>
-          <p:cNvPr id="1026" name="Picture 2">
-            <a:extLst>
-              <a:ext uri="{FF2B5EF4-FFF2-40B4-BE49-F238E27FC236}">
-                <a16:creationId xmlns:a16="http://schemas.microsoft.com/office/drawing/2014/main" id="{BC6AB0F7-4EF1-4135-8D1D-96F32B0D49BC}"/>
-              </a:ext>
-            </a:extLst>
-          </p:cNvPr>
-          <p:cNvPicPr>
-            <a:picLocks noChangeAspect="1" noChangeArrowheads="1"/>
-          </p:cNvPicPr>
-          <p:nvPr/>
-        </p:nvPicPr>
-        <p:blipFill>
-          <a:blip r:embed="rId2">
-            <a:extLst>
-              <a:ext uri="{28A0092B-C50C-407E-A947-70E740481C1C}">
-                <a14:useLocalDpi xmlns:a14="http://schemas.microsoft.com/office/drawing/2010/main" val="0"/>
-              </a:ext>
-            </a:extLst>
-          </a:blip>
-          <a:srcRect/>
-          <a:stretch>
-            <a:fillRect/>
-          </a:stretch>
-        </p:blipFill>
-        <p:spPr bwMode="auto">
-          <a:xfrm>
-            <a:off x="430107" y="285207"/>
-            <a:ext cx="1625262" cy="1037459"/>
-          </a:xfrm>
-          <a:prstGeom prst="rect">
-            <a:avLst/>
-          </a:prstGeom>
-          <a:noFill/>
-          <a:extLst>
-            <a:ext uri="{909E8E84-426E-40DD-AFC4-6F175D3DCCD1}">
-              <a14:hiddenFill xmlns:a14="http://schemas.microsoft.com/office/drawing/2010/main">
-                <a:solidFill>
-                  <a:srgbClr val="FFFFFF"/>
-                </a:solidFill>
-              </a14:hiddenFill>
-            </a:ext>
-          </a:extLst>
-        </p:spPr>
-      </p:pic>
-      <p:pic>
-        <p:nvPicPr>
-          <p:cNvPr id="13" name="Imagen 12">
-            <a:extLst>
-              <a:ext uri="{FF2B5EF4-FFF2-40B4-BE49-F238E27FC236}">
-                <a16:creationId xmlns:a16="http://schemas.microsoft.com/office/drawing/2014/main" id="{0C155BD2-30E5-4F18-B5E9-293697DCFC89}"/>
-              </a:ext>
-            </a:extLst>
-          </p:cNvPr>
-          <p:cNvPicPr>
-            <a:picLocks noChangeAspect="1"/>
-          </p:cNvPicPr>
-          <p:nvPr/>
-        </p:nvPicPr>
-        <p:blipFill>
-          <a:blip r:embed="rId3"/>
-          <a:stretch>
-            <a:fillRect/>
-          </a:stretch>
-        </p:blipFill>
-        <p:spPr>
-          <a:xfrm>
-            <a:off x="10452886" y="285207"/>
-            <a:ext cx="1105443" cy="1105443"/>
-          </a:xfrm>
-          <a:prstGeom prst="rect">
-            <a:avLst/>
-          </a:prstGeom>
-        </p:spPr>
-      </p:pic>
-      <p:sp>
-        <p:nvSpPr>
-          <p:cNvPr id="14" name="Título 1">
-            <a:extLst>
-              <a:ext uri="{FF2B5EF4-FFF2-40B4-BE49-F238E27FC236}">
-                <a16:creationId xmlns:a16="http://schemas.microsoft.com/office/drawing/2014/main" id="{764E1691-0A01-4BBE-8C7F-99269484415C}"/>
-              </a:ext>
-            </a:extLst>
-          </p:cNvPr>
-          <p:cNvSpPr txBox="1">
-            <a:spLocks/>
-          </p:cNvSpPr>
-          <p:nvPr/>
-        </p:nvSpPr>
-        <p:spPr>
-          <a:xfrm>
-            <a:off x="2134259" y="2009774"/>
-            <a:ext cx="7923481" cy="2483995"/>
-          </a:xfrm>
-          <a:prstGeom prst="rect">
-            <a:avLst/>
-          </a:prstGeom>
-        </p:spPr>
-        <p:txBody>
-          <a:bodyPr vert="horz" lIns="91440" tIns="45720" rIns="91440" bIns="45720" rtlCol="0" anchor="b">
-            <a:noAutofit/>
-          </a:bodyPr>
-          <a:lstStyle>
-            <a:lvl1pPr algn="ctr" defTabSz="457200" rtl="0" eaLnBrk="1" latinLnBrk="0" hangingPunct="1">
-              <a:spcBef>
-                <a:spcPct val="0"/>
-              </a:spcBef>
-              <a:buNone/>
-              <a:defRPr sz="4800" kern="1200" cap="all">
-                <a:ln w="3175" cmpd="sng">
-                  <a:noFill/>
-                </a:ln>
-                <a:gradFill flip="none" rotWithShape="1">
-                  <a:gsLst>
-                    <a:gs pos="0">
-                      <a:schemeClr val="tx1"/>
-                    </a:gs>
-                    <a:gs pos="100000">
-                      <a:schemeClr val="tx1">
-                        <a:lumMod val="65000"/>
-                      </a:schemeClr>
-                    </a:gs>
-                  </a:gsLst>
-                  <a:lin ang="5580000" scaled="0"/>
-                  <a:tileRect/>
-                </a:gradFill>
-                <a:effectLst>
-                  <a:glow rad="38100">
-                    <a:schemeClr val="bg1">
-                      <a:lumMod val="65000"/>
-                      <a:lumOff val="35000"/>
-                      <a:alpha val="50000"/>
-                    </a:schemeClr>
-                  </a:glow>
-                  <a:outerShdw blurRad="28575" dist="31750" dir="13200000" algn="tl" rotWithShape="0">
-                    <a:srgbClr val="000000">
-                      <a:alpha val="25000"/>
-                    </a:srgbClr>
-                  </a:outerShdw>
-                </a:effectLst>
-                <a:latin typeface="+mj-lt"/>
-                <a:ea typeface="+mj-ea"/>
-                <a:cs typeface="+mj-cs"/>
-              </a:defRPr>
-            </a:lvl1pPr>
-            <a:lvl2pPr eaLnBrk="1" hangingPunct="1">
-              <a:defRPr>
-                <a:solidFill>
-                  <a:schemeClr val="tx2"/>
-                </a:solidFill>
-              </a:defRPr>
-            </a:lvl2pPr>
-            <a:lvl3pPr eaLnBrk="1" hangingPunct="1">
-              <a:defRPr>
-                <a:solidFill>
-                  <a:schemeClr val="tx2"/>
-                </a:solidFill>
-              </a:defRPr>
-            </a:lvl3pPr>
-            <a:lvl4pPr eaLnBrk="1" hangingPunct="1">
-              <a:defRPr>
-                <a:solidFill>
-                  <a:schemeClr val="tx2"/>
-                </a:solidFill>
-              </a:defRPr>
-            </a:lvl4pPr>
-            <a:lvl5pPr eaLnBrk="1" hangingPunct="1">
-              <a:defRPr>
-                <a:solidFill>
-                  <a:schemeClr val="tx2"/>
-                </a:solidFill>
-              </a:defRPr>
-            </a:lvl5pPr>
-            <a:lvl6pPr eaLnBrk="1" hangingPunct="1">
-              <a:defRPr>
-                <a:solidFill>
-                  <a:schemeClr val="tx2"/>
-                </a:solidFill>
-              </a:defRPr>
-            </a:lvl6pPr>
-            <a:lvl7pPr eaLnBrk="1" hangingPunct="1">
-              <a:defRPr>
-                <a:solidFill>
-                  <a:schemeClr val="tx2"/>
-                </a:solidFill>
-              </a:defRPr>
-            </a:lvl7pPr>
-            <a:lvl8pPr eaLnBrk="1" hangingPunct="1">
-              <a:defRPr>
-                <a:solidFill>
-                  <a:schemeClr val="tx2"/>
-                </a:solidFill>
-              </a:defRPr>
-            </a:lvl8pPr>
-            <a:lvl9pPr eaLnBrk="1" hangingPunct="1">
-              <a:defRPr>
-                <a:solidFill>
-                  <a:schemeClr val="tx2"/>
-                </a:solidFill>
-              </a:defRPr>
-            </a:lvl9pPr>
-          </a:lstStyle>
-          <a:p>
-            <a:r>
-              <a:rPr lang="es-ES" b="1" dirty="0" err="1"/>
-              <a:t>Feature</a:t>
-            </a:r>
-            <a:r>
-              <a:rPr lang="es-ES" b="1" dirty="0"/>
-              <a:t> </a:t>
-            </a:r>
-            <a:r>
-              <a:rPr lang="es-ES" b="1" dirty="0" err="1"/>
-              <a:t>toggles</a:t>
-            </a:r>
-            <a:endParaRPr lang="es-ES" b="1" dirty="0"/>
-          </a:p>
-          <a:p>
-            <a:r>
-              <a:rPr lang="es-ES" b="1" dirty="0"/>
-              <a:t>&amp;</a:t>
-            </a:r>
-          </a:p>
-          <a:p>
-            <a:r>
-              <a:rPr lang="es-ES" b="1" dirty="0"/>
-              <a:t>BRANCH BY ABSTRACTION</a:t>
-            </a:r>
-            <a:endParaRPr lang="en-US" b="1" dirty="0"/>
-          </a:p>
-        </p:txBody>
-      </p:sp>
-    </p:spTree>
-    <p:extLst>
-      <p:ext uri="{BB962C8B-B14F-4D97-AF65-F5344CB8AC3E}">
-        <p14:creationId xmlns:p14="http://schemas.microsoft.com/office/powerpoint/2010/main" val="1441134211"/>
       </p:ext>
     </p:extLst>
   </p:cSld>
